--- a/Présentation_Labo1.pptx
+++ b/Présentation_Labo1.pptx
@@ -5,13 +5,16 @@
     <p:sldMasterId id="2147483648" r:id="rId1"/>
   </p:sldMasterIdLst>
   <p:sldIdLst>
-    <p:sldId id="256" r:id="rId2"/>
-    <p:sldId id="261" r:id="rId3"/>
-    <p:sldId id="258" r:id="rId4"/>
-    <p:sldId id="262" r:id="rId5"/>
-    <p:sldId id="263" r:id="rId6"/>
-    <p:sldId id="257" r:id="rId7"/>
-    <p:sldId id="264" r:id="rId8"/>
+    <p:sldId id="265" r:id="rId2"/>
+    <p:sldId id="267" r:id="rId3"/>
+    <p:sldId id="256" r:id="rId4"/>
+    <p:sldId id="261" r:id="rId5"/>
+    <p:sldId id="258" r:id="rId6"/>
+    <p:sldId id="263" r:id="rId7"/>
+    <p:sldId id="257" r:id="rId8"/>
+    <p:sldId id="264" r:id="rId9"/>
+    <p:sldId id="268" r:id="rId10"/>
+    <p:sldId id="266" r:id="rId11"/>
   </p:sldIdLst>
   <p:sldSz cx="12192000" cy="6858000"/>
   <p:notesSz cx="6858000" cy="9144000"/>
@@ -278,7 +281,7 @@
           <a:p>
             <a:fld id="{12EC7960-8C67-4436-83EE-EA79109B134C}" type="datetimeFigureOut">
               <a:rPr lang="fr-BE" smtClean="0"/>
-              <a:t>26-08-21</a:t>
+              <a:t>27-08-21</a:t>
             </a:fld>
             <a:endParaRPr lang="fr-BE"/>
           </a:p>
@@ -478,7 +481,7 @@
           <a:p>
             <a:fld id="{12EC7960-8C67-4436-83EE-EA79109B134C}" type="datetimeFigureOut">
               <a:rPr lang="fr-BE" smtClean="0"/>
-              <a:t>26-08-21</a:t>
+              <a:t>27-08-21</a:t>
             </a:fld>
             <a:endParaRPr lang="fr-BE"/>
           </a:p>
@@ -688,7 +691,7 @@
           <a:p>
             <a:fld id="{12EC7960-8C67-4436-83EE-EA79109B134C}" type="datetimeFigureOut">
               <a:rPr lang="fr-BE" smtClean="0"/>
-              <a:t>26-08-21</a:t>
+              <a:t>27-08-21</a:t>
             </a:fld>
             <a:endParaRPr lang="fr-BE"/>
           </a:p>
@@ -888,7 +891,7 @@
           <a:p>
             <a:fld id="{12EC7960-8C67-4436-83EE-EA79109B134C}" type="datetimeFigureOut">
               <a:rPr lang="fr-BE" smtClean="0"/>
-              <a:t>26-08-21</a:t>
+              <a:t>27-08-21</a:t>
             </a:fld>
             <a:endParaRPr lang="fr-BE"/>
           </a:p>
@@ -1164,7 +1167,7 @@
           <a:p>
             <a:fld id="{12EC7960-8C67-4436-83EE-EA79109B134C}" type="datetimeFigureOut">
               <a:rPr lang="fr-BE" smtClean="0"/>
-              <a:t>26-08-21</a:t>
+              <a:t>27-08-21</a:t>
             </a:fld>
             <a:endParaRPr lang="fr-BE"/>
           </a:p>
@@ -1432,7 +1435,7 @@
           <a:p>
             <a:fld id="{12EC7960-8C67-4436-83EE-EA79109B134C}" type="datetimeFigureOut">
               <a:rPr lang="fr-BE" smtClean="0"/>
-              <a:t>26-08-21</a:t>
+              <a:t>27-08-21</a:t>
             </a:fld>
             <a:endParaRPr lang="fr-BE"/>
           </a:p>
@@ -1847,7 +1850,7 @@
           <a:p>
             <a:fld id="{12EC7960-8C67-4436-83EE-EA79109B134C}" type="datetimeFigureOut">
               <a:rPr lang="fr-BE" smtClean="0"/>
-              <a:t>26-08-21</a:t>
+              <a:t>27-08-21</a:t>
             </a:fld>
             <a:endParaRPr lang="fr-BE"/>
           </a:p>
@@ -1989,7 +1992,7 @@
           <a:p>
             <a:fld id="{12EC7960-8C67-4436-83EE-EA79109B134C}" type="datetimeFigureOut">
               <a:rPr lang="fr-BE" smtClean="0"/>
-              <a:t>26-08-21</a:t>
+              <a:t>27-08-21</a:t>
             </a:fld>
             <a:endParaRPr lang="fr-BE"/>
           </a:p>
@@ -2102,7 +2105,7 @@
           <a:p>
             <a:fld id="{12EC7960-8C67-4436-83EE-EA79109B134C}" type="datetimeFigureOut">
               <a:rPr lang="fr-BE" smtClean="0"/>
-              <a:t>26-08-21</a:t>
+              <a:t>27-08-21</a:t>
             </a:fld>
             <a:endParaRPr lang="fr-BE"/>
           </a:p>
@@ -2415,7 +2418,7 @@
           <a:p>
             <a:fld id="{12EC7960-8C67-4436-83EE-EA79109B134C}" type="datetimeFigureOut">
               <a:rPr lang="fr-BE" smtClean="0"/>
-              <a:t>26-08-21</a:t>
+              <a:t>27-08-21</a:t>
             </a:fld>
             <a:endParaRPr lang="fr-BE"/>
           </a:p>
@@ -2704,7 +2707,7 @@
           <a:p>
             <a:fld id="{12EC7960-8C67-4436-83EE-EA79109B134C}" type="datetimeFigureOut">
               <a:rPr lang="fr-BE" smtClean="0"/>
-              <a:t>26-08-21</a:t>
+              <a:t>27-08-21</a:t>
             </a:fld>
             <a:endParaRPr lang="fr-BE"/>
           </a:p>
@@ -2947,7 +2950,7 @@
           <a:p>
             <a:fld id="{12EC7960-8C67-4436-83EE-EA79109B134C}" type="datetimeFigureOut">
               <a:rPr lang="fr-BE" smtClean="0"/>
-              <a:t>26-08-21</a:t>
+              <a:t>27-08-21</a:t>
             </a:fld>
             <a:endParaRPr lang="fr-BE"/>
           </a:p>
@@ -3364,55 +3367,59 @@
           <a:chExt cx="0" cy="0"/>
         </a:xfrm>
       </p:grpSpPr>
-      <p:sp>
-        <p:nvSpPr>
-          <p:cNvPr id="8" name="ZoneTexte 7">
-            <a:extLst>
-              <a:ext uri="{FF2B5EF4-FFF2-40B4-BE49-F238E27FC236}">
-                <a16:creationId xmlns:a16="http://schemas.microsoft.com/office/drawing/2014/main" id="{9B4B4052-322E-4E52-8C33-FCBFEB05B3E9}"/>
-              </a:ext>
-            </a:extLst>
-          </p:cNvPr>
-          <p:cNvSpPr txBox="1"/>
+      <p:pic>
+        <p:nvPicPr>
+          <p:cNvPr id="1032" name="Picture 8" descr="BIENVENUE RIM | Le RIM">
+            <a:extLst>
+              <a:ext uri="{FF2B5EF4-FFF2-40B4-BE49-F238E27FC236}">
+                <a16:creationId xmlns:a16="http://schemas.microsoft.com/office/drawing/2014/main" id="{5442AACA-662D-49C4-BBD5-865455721CBB}"/>
+              </a:ext>
+            </a:extLst>
+          </p:cNvPr>
+          <p:cNvPicPr>
+            <a:picLocks noChangeAspect="1" noChangeArrowheads="1"/>
+          </p:cNvPicPr>
           <p:nvPr/>
-        </p:nvSpPr>
-        <p:spPr>
-          <a:xfrm>
-            <a:off x="3901135" y="604436"/>
-            <a:ext cx="4389728" cy="461665"/>
+        </p:nvPicPr>
+        <p:blipFill>
+          <a:blip r:embed="rId2">
+            <a:extLst>
+              <a:ext uri="{28A0092B-C50C-407E-A947-70E740481C1C}">
+                <a14:useLocalDpi xmlns:a14="http://schemas.microsoft.com/office/drawing/2010/main" val="0"/>
+              </a:ext>
+            </a:extLst>
+          </a:blip>
+          <a:srcRect/>
+          <a:stretch>
+            <a:fillRect/>
+          </a:stretch>
+        </p:blipFill>
+        <p:spPr bwMode="auto">
+          <a:xfrm>
+            <a:off x="3328049" y="958359"/>
+            <a:ext cx="5535901" cy="3692403"/>
           </a:xfrm>
           <a:prstGeom prst="rect">
             <a:avLst/>
           </a:prstGeom>
           <a:noFill/>
-        </p:spPr>
-        <p:txBody>
-          <a:bodyPr wrap="none" rtlCol="0">
-            <a:spAutoFit/>
-          </a:bodyPr>
-          <a:lstStyle/>
-          <a:p>
-            <a:r>
-              <a:rPr lang="fr-BE" sz="2400" b="1" dirty="0">
-                <a:effectLst>
-                  <a:outerShdw blurRad="38100" dist="38100" dir="2700000" algn="tl">
-                    <a:srgbClr val="000000">
-                      <a:alpha val="43137"/>
-                    </a:srgbClr>
-                  </a:outerShdw>
-                </a:effectLst>
-              </a:rPr>
-              <a:t>Modèle Conceptuel des Données</a:t>
-            </a:r>
-          </a:p>
-        </p:txBody>
-      </p:sp>
-      <p:sp>
-        <p:nvSpPr>
-          <p:cNvPr id="9" name="ZoneTexte 8">
-            <a:extLst>
-              <a:ext uri="{FF2B5EF4-FFF2-40B4-BE49-F238E27FC236}">
-                <a16:creationId xmlns:a16="http://schemas.microsoft.com/office/drawing/2014/main" id="{5571D483-BCB5-4AF8-94AA-6529C087DBC9}"/>
+          <a:extLst>
+            <a:ext uri="{909E8E84-426E-40DD-AFC4-6F175D3DCCD1}">
+              <a14:hiddenFill xmlns:a14="http://schemas.microsoft.com/office/drawing/2010/main">
+                <a:solidFill>
+                  <a:srgbClr val="FFFFFF"/>
+                </a:solidFill>
+              </a14:hiddenFill>
+            </a:ext>
+          </a:extLst>
+        </p:spPr>
+      </p:pic>
+      <p:sp>
+        <p:nvSpPr>
+          <p:cNvPr id="4" name="ZoneTexte 3">
+            <a:extLst>
+              <a:ext uri="{FF2B5EF4-FFF2-40B4-BE49-F238E27FC236}">
+                <a16:creationId xmlns:a16="http://schemas.microsoft.com/office/drawing/2014/main" id="{EE40C047-8104-431D-8653-9D510C3646DF}"/>
               </a:ext>
             </a:extLst>
           </p:cNvPr>
@@ -3421,8 +3428,8 @@
         </p:nvSpPr>
         <p:spPr>
           <a:xfrm>
-            <a:off x="2555052" y="1371600"/>
-            <a:ext cx="7239482" cy="646331"/>
+            <a:off x="5590892" y="3094888"/>
+            <a:ext cx="1168910" cy="584775"/>
           </a:xfrm>
           <a:prstGeom prst="rect">
             <a:avLst/>
@@ -3435,95 +3442,337 @@
           </a:bodyPr>
           <a:lstStyle/>
           <a:p>
-            <a:pPr algn="ctr"/>
-            <a:r>
-              <a:rPr lang="fr-BE" dirty="0">
-                <a:solidFill>
-                  <a:srgbClr val="212529"/>
-                </a:solidFill>
-                <a:latin typeface="Verdana" panose="020B0604030504040204" pitchFamily="34" charset="0"/>
+            <a:r>
+              <a:rPr lang="fr-BE" sz="3200" dirty="0">
+                <a:latin typeface="Bookman Old Style" panose="02050604050505020204" pitchFamily="18" charset="0"/>
               </a:rPr>
-              <a:t>Un </a:t>
-            </a:r>
-            <a:r>
-              <a:rPr lang="fr-BE" b="1" dirty="0">
-                <a:solidFill>
-                  <a:srgbClr val="212529"/>
-                </a:solidFill>
-                <a:latin typeface="Verdana" panose="020B0604030504040204" pitchFamily="34" charset="0"/>
+              <a:t>Chez</a:t>
+            </a:r>
+            <a:endParaRPr lang="fr-BE" dirty="0">
+              <a:latin typeface="Bookman Old Style" panose="02050604050505020204" pitchFamily="18" charset="0"/>
+            </a:endParaRPr>
+          </a:p>
+        </p:txBody>
+      </p:sp>
+      <p:sp>
+        <p:nvSpPr>
+          <p:cNvPr id="5" name="ZoneTexte 4">
+            <a:extLst>
+              <a:ext uri="{FF2B5EF4-FFF2-40B4-BE49-F238E27FC236}">
+                <a16:creationId xmlns:a16="http://schemas.microsoft.com/office/drawing/2014/main" id="{3DD8CE05-CAB0-46B7-A2D8-DBD81AFB9AB0}"/>
+              </a:ext>
+            </a:extLst>
+          </p:cNvPr>
+          <p:cNvSpPr txBox="1"/>
+          <p:nvPr/>
+        </p:nvSpPr>
+        <p:spPr>
+          <a:xfrm>
+            <a:off x="3615192" y="3697352"/>
+            <a:ext cx="4961615" cy="1200329"/>
+          </a:xfrm>
+          <a:prstGeom prst="rect">
+            <a:avLst/>
+          </a:prstGeom>
+          <a:noFill/>
+          <a:ln>
+            <a:noFill/>
+          </a:ln>
+          <a:effectLst>
+            <a:outerShdw blurRad="149987" dist="250190" dir="8460000" algn="ctr">
+              <a:srgbClr val="000000">
+                <a:alpha val="28000"/>
+              </a:srgbClr>
+            </a:outerShdw>
+          </a:effectLst>
+          <a:scene3d>
+            <a:camera prst="orthographicFront">
+              <a:rot lat="0" lon="0" rev="0"/>
+            </a:camera>
+            <a:lightRig rig="contrasting" dir="t">
+              <a:rot lat="0" lon="0" rev="1500000"/>
+            </a:lightRig>
+          </a:scene3d>
+          <a:sp3d prstMaterial="metal">
+            <a:bevelT w="88900" h="88900"/>
+          </a:sp3d>
+        </p:spPr>
+        <p:txBody>
+          <a:bodyPr wrap="none" rtlCol="0">
+            <a:spAutoFit/>
+          </a:bodyPr>
+          <a:lstStyle/>
+          <a:p>
+            <a:r>
+              <a:rPr lang="fr-BE" sz="7200" dirty="0" err="1">
+                <a:latin typeface="Bahnschrift" panose="020B0502040204020203" pitchFamily="34" charset="0"/>
               </a:rPr>
-              <a:t>MCD</a:t>
-            </a:r>
-            <a:r>
-              <a:rPr lang="fr-BE" dirty="0">
-                <a:solidFill>
-                  <a:srgbClr val="212529"/>
-                </a:solidFill>
-                <a:latin typeface="Verdana" panose="020B0604030504040204" pitchFamily="34" charset="0"/>
+              <a:t>Belg</a:t>
+            </a:r>
+            <a:r>
+              <a:rPr lang="fr-BE" sz="7200" dirty="0">
+                <a:latin typeface="Bahnschrift" panose="020B0502040204020203" pitchFamily="34" charset="0"/>
               </a:rPr>
-              <a:t> est la r</a:t>
-            </a:r>
-            <a:r>
-              <a:rPr lang="fr-BE" b="0" i="0" dirty="0">
-                <a:solidFill>
-                  <a:srgbClr val="212529"/>
-                </a:solidFill>
-                <a:effectLst/>
-                <a:latin typeface="Verdana" panose="020B0604030504040204" pitchFamily="34" charset="0"/>
+              <a:t>  </a:t>
+            </a:r>
+            <a:r>
+              <a:rPr lang="fr-BE" sz="7200" dirty="0" err="1">
+                <a:latin typeface="Bahnschrift" panose="020B0502040204020203" pitchFamily="34" charset="0"/>
               </a:rPr>
-              <a:t>eprésentation graphique et structurée </a:t>
-            </a:r>
-          </a:p>
-          <a:p>
-            <a:pPr algn="ctr"/>
-            <a:r>
-              <a:rPr lang="fr-BE" b="0" i="0" dirty="0">
-                <a:solidFill>
-                  <a:srgbClr val="212529"/>
-                </a:solidFill>
-                <a:effectLst/>
-                <a:latin typeface="Verdana" panose="020B0604030504040204" pitchFamily="34" charset="0"/>
-              </a:rPr>
-              <a:t>des informations mémorisées par un système d’information.</a:t>
-            </a:r>
-            <a:endParaRPr lang="fr-BE" dirty="0"/>
+              <a:t>Motor</a:t>
+            </a:r>
+            <a:endParaRPr lang="fr-BE" sz="7200" dirty="0">
+              <a:latin typeface="Bahnschrift" panose="020B0502040204020203" pitchFamily="34" charset="0"/>
+            </a:endParaRPr>
           </a:p>
         </p:txBody>
       </p:sp>
       <p:pic>
         <p:nvPicPr>
-          <p:cNvPr id="11" name="Image 10">
-            <a:extLst>
-              <a:ext uri="{FF2B5EF4-FFF2-40B4-BE49-F238E27FC236}">
-                <a16:creationId xmlns:a16="http://schemas.microsoft.com/office/drawing/2014/main" id="{B4893943-8CE3-4BBD-A497-145156DB4F48}"/>
+          <p:cNvPr id="10" name="Picture 4" descr="Volant noir PNG transparents - StickPNG">
+            <a:extLst>
+              <a:ext uri="{FF2B5EF4-FFF2-40B4-BE49-F238E27FC236}">
+                <a16:creationId xmlns:a16="http://schemas.microsoft.com/office/drawing/2014/main" id="{8CAD2384-2F41-4538-9AA2-FB9B72B7F81B}"/>
               </a:ext>
             </a:extLst>
           </p:cNvPr>
           <p:cNvPicPr>
-            <a:picLocks noChangeAspect="1"/>
+            <a:picLocks noChangeAspect="1" noChangeArrowheads="1"/>
           </p:cNvPicPr>
           <p:nvPr/>
         </p:nvPicPr>
         <p:blipFill>
-          <a:blip r:embed="rId2"/>
+          <a:blip r:embed="rId3">
+            <a:extLst>
+              <a:ext uri="{28A0092B-C50C-407E-A947-70E740481C1C}">
+                <a14:useLocalDpi xmlns:a14="http://schemas.microsoft.com/office/drawing/2010/main" val="0"/>
+              </a:ext>
+            </a:extLst>
+          </a:blip>
+          <a:srcRect/>
           <a:stretch>
             <a:fillRect/>
           </a:stretch>
         </p:blipFill>
-        <p:spPr>
-          <a:xfrm>
-            <a:off x="928005" y="2312375"/>
-            <a:ext cx="10387695" cy="3962873"/>
+        <p:spPr bwMode="auto">
+          <a:xfrm>
+            <a:off x="5489333" y="4086241"/>
+            <a:ext cx="606667" cy="606667"/>
           </a:xfrm>
           <a:prstGeom prst="rect">
             <a:avLst/>
           </a:prstGeom>
+          <a:noFill/>
+          <a:extLst>
+            <a:ext uri="{909E8E84-426E-40DD-AFC4-6F175D3DCCD1}">
+              <a14:hiddenFill xmlns:a14="http://schemas.microsoft.com/office/drawing/2010/main">
+                <a:solidFill>
+                  <a:srgbClr val="FFFFFF"/>
+                </a:solidFill>
+              </a14:hiddenFill>
+            </a:ext>
+          </a:extLst>
         </p:spPr>
       </p:pic>
     </p:spTree>
     <p:extLst>
       <p:ext uri="{BB962C8B-B14F-4D97-AF65-F5344CB8AC3E}">
-        <p14:creationId xmlns:p14="http://schemas.microsoft.com/office/powerpoint/2010/main" val="1768084306"/>
+        <p14:creationId xmlns:p14="http://schemas.microsoft.com/office/powerpoint/2010/main" val="4026375794"/>
+      </p:ext>
+    </p:extLst>
+  </p:cSld>
+  <p:clrMapOvr>
+    <a:masterClrMapping/>
+  </p:clrMapOvr>
+</p:sld>
+</file>
+
+<file path=ppt/slides/slide10.xml><?xml version="1.0" encoding="utf-8"?>
+<p:sld xmlns:a="http://schemas.openxmlformats.org/drawingml/2006/main" xmlns:r="http://schemas.openxmlformats.org/officeDocument/2006/relationships" xmlns:p="http://schemas.openxmlformats.org/presentationml/2006/main">
+  <p:cSld>
+    <p:spTree>
+      <p:nvGrpSpPr>
+        <p:cNvPr id="1" name=""/>
+        <p:cNvGrpSpPr/>
+        <p:nvPr/>
+      </p:nvGrpSpPr>
+      <p:grpSpPr>
+        <a:xfrm>
+          <a:off x="0" y="0"/>
+          <a:ext cx="0" cy="0"/>
+          <a:chOff x="0" y="0"/>
+          <a:chExt cx="0" cy="0"/>
+        </a:xfrm>
+      </p:grpSpPr>
+      <p:pic>
+        <p:nvPicPr>
+          <p:cNvPr id="2050" name="Picture 2" descr="Download HD Picture Black And White Stock Pour Black And White - Merci Pour  Votre Écoute Transparent PNG Image - NicePNG.com">
+            <a:extLst>
+              <a:ext uri="{FF2B5EF4-FFF2-40B4-BE49-F238E27FC236}">
+                <a16:creationId xmlns:a16="http://schemas.microsoft.com/office/drawing/2014/main" id="{18AEE115-5B3C-46C3-815B-62AE6B2DA36D}"/>
+              </a:ext>
+            </a:extLst>
+          </p:cNvPr>
+          <p:cNvPicPr>
+            <a:picLocks noChangeAspect="1" noChangeArrowheads="1"/>
+          </p:cNvPicPr>
+          <p:nvPr/>
+        </p:nvPicPr>
+        <p:blipFill>
+          <a:blip r:embed="rId2">
+            <a:extLst>
+              <a:ext uri="{28A0092B-C50C-407E-A947-70E740481C1C}">
+                <a14:useLocalDpi xmlns:a14="http://schemas.microsoft.com/office/drawing/2010/main" val="0"/>
+              </a:ext>
+            </a:extLst>
+          </a:blip>
+          <a:srcRect/>
+          <a:stretch>
+            <a:fillRect/>
+          </a:stretch>
+        </p:blipFill>
+        <p:spPr bwMode="auto">
+          <a:xfrm>
+            <a:off x="3686175" y="537314"/>
+            <a:ext cx="4819650" cy="2847975"/>
+          </a:xfrm>
+          <a:prstGeom prst="rect">
+            <a:avLst/>
+          </a:prstGeom>
+          <a:noFill/>
+          <a:extLst>
+            <a:ext uri="{909E8E84-426E-40DD-AFC4-6F175D3DCCD1}">
+              <a14:hiddenFill xmlns:a14="http://schemas.microsoft.com/office/drawing/2010/main">
+                <a:solidFill>
+                  <a:srgbClr val="FFFFFF"/>
+                </a:solidFill>
+              </a14:hiddenFill>
+            </a:ext>
+          </a:extLst>
+        </p:spPr>
+      </p:pic>
+      <p:sp>
+        <p:nvSpPr>
+          <p:cNvPr id="5" name="ZoneTexte 4">
+            <a:extLst>
+              <a:ext uri="{FF2B5EF4-FFF2-40B4-BE49-F238E27FC236}">
+                <a16:creationId xmlns:a16="http://schemas.microsoft.com/office/drawing/2014/main" id="{3AD32766-F581-4123-940E-865C97F61B24}"/>
+              </a:ext>
+            </a:extLst>
+          </p:cNvPr>
+          <p:cNvSpPr txBox="1"/>
+          <p:nvPr/>
+        </p:nvSpPr>
+        <p:spPr>
+          <a:xfrm>
+            <a:off x="2895044" y="4010020"/>
+            <a:ext cx="6401912" cy="707886"/>
+          </a:xfrm>
+          <a:prstGeom prst="rect">
+            <a:avLst/>
+          </a:prstGeom>
+          <a:noFill/>
+          <a:ln>
+            <a:noFill/>
+          </a:ln>
+          <a:effectLst>
+            <a:outerShdw blurRad="149987" dist="250190" dir="8460000" algn="ctr">
+              <a:srgbClr val="000000">
+                <a:alpha val="28000"/>
+              </a:srgbClr>
+            </a:outerShdw>
+          </a:effectLst>
+          <a:scene3d>
+            <a:camera prst="orthographicFront">
+              <a:rot lat="0" lon="0" rev="0"/>
+            </a:camera>
+            <a:lightRig rig="contrasting" dir="t">
+              <a:rot lat="0" lon="0" rev="1500000"/>
+            </a:lightRig>
+          </a:scene3d>
+          <a:sp3d prstMaterial="metal">
+            <a:bevelT w="88900" h="88900"/>
+          </a:sp3d>
+        </p:spPr>
+        <p:txBody>
+          <a:bodyPr wrap="square" rtlCol="0">
+            <a:spAutoFit/>
+          </a:bodyPr>
+          <a:lstStyle/>
+          <a:p>
+            <a:pPr algn="ctr"/>
+            <a:r>
+              <a:rPr lang="fr-BE" sz="4000" dirty="0">
+                <a:latin typeface="Bahnschrift" panose="020B0502040204020203" pitchFamily="34" charset="0"/>
+              </a:rPr>
+              <a:t>Avez-vous des </a:t>
+            </a:r>
+            <a:r>
+              <a:rPr lang="fr-BE" sz="4000" dirty="0" err="1">
+                <a:latin typeface="Bahnschrift" panose="020B0502040204020203" pitchFamily="34" charset="0"/>
+              </a:rPr>
+              <a:t>questi</a:t>
+            </a:r>
+            <a:r>
+              <a:rPr lang="fr-BE" sz="4000" dirty="0">
+                <a:latin typeface="Bahnschrift" panose="020B0502040204020203" pitchFamily="34" charset="0"/>
+              </a:rPr>
+              <a:t>  ns?</a:t>
+            </a:r>
+          </a:p>
+        </p:txBody>
+      </p:sp>
+      <p:pic>
+        <p:nvPicPr>
+          <p:cNvPr id="2052" name="Picture 4" descr="Point d&amp;#39;interrogation dans un cercle PNG transparents - StickPNG">
+            <a:extLst>
+              <a:ext uri="{FF2B5EF4-FFF2-40B4-BE49-F238E27FC236}">
+                <a16:creationId xmlns:a16="http://schemas.microsoft.com/office/drawing/2014/main" id="{D6B15C0D-3D12-4A00-9158-C3025369D056}"/>
+              </a:ext>
+            </a:extLst>
+          </p:cNvPr>
+          <p:cNvPicPr>
+            <a:picLocks noChangeAspect="1" noChangeArrowheads="1"/>
+          </p:cNvPicPr>
+          <p:nvPr/>
+        </p:nvPicPr>
+        <p:blipFill>
+          <a:blip r:embed="rId3">
+            <a:extLst>
+              <a:ext uri="{28A0092B-C50C-407E-A947-70E740481C1C}">
+                <a14:useLocalDpi xmlns:a14="http://schemas.microsoft.com/office/drawing/2010/main" val="0"/>
+              </a:ext>
+            </a:extLst>
+          </a:blip>
+          <a:srcRect/>
+          <a:stretch>
+            <a:fillRect/>
+          </a:stretch>
+        </p:blipFill>
+        <p:spPr bwMode="auto">
+          <a:xfrm>
+            <a:off x="8011816" y="4288760"/>
+            <a:ext cx="306274" cy="306274"/>
+          </a:xfrm>
+          <a:prstGeom prst="rect">
+            <a:avLst/>
+          </a:prstGeom>
+          <a:noFill/>
+          <a:extLst>
+            <a:ext uri="{909E8E84-426E-40DD-AFC4-6F175D3DCCD1}">
+              <a14:hiddenFill xmlns:a14="http://schemas.microsoft.com/office/drawing/2010/main">
+                <a:solidFill>
+                  <a:srgbClr val="FFFFFF"/>
+                </a:solidFill>
+              </a14:hiddenFill>
+            </a:ext>
+          </a:extLst>
+        </p:spPr>
+      </p:pic>
+    </p:spTree>
+    <p:extLst>
+      <p:ext uri="{BB962C8B-B14F-4D97-AF65-F5344CB8AC3E}">
+        <p14:creationId xmlns:p14="http://schemas.microsoft.com/office/powerpoint/2010/main" val="3467294101"/>
       </p:ext>
     </p:extLst>
   </p:cSld>
@@ -3550,339 +3799,387 @@
           <a:chExt cx="0" cy="0"/>
         </a:xfrm>
       </p:grpSpPr>
-      <p:sp>
-        <p:nvSpPr>
-          <p:cNvPr id="8" name="ZoneTexte 7">
-            <a:extLst>
-              <a:ext uri="{FF2B5EF4-FFF2-40B4-BE49-F238E27FC236}">
-                <a16:creationId xmlns:a16="http://schemas.microsoft.com/office/drawing/2014/main" id="{9B4B4052-322E-4E52-8C33-FCBFEB05B3E9}"/>
-              </a:ext>
-            </a:extLst>
-          </p:cNvPr>
-          <p:cNvSpPr txBox="1"/>
+      <p:pic>
+        <p:nvPicPr>
+          <p:cNvPr id="3074" name="Picture 2" descr="Icone Ecran d&amp;#39;ordinateur PNG transparents - StickPNG">
+            <a:extLst>
+              <a:ext uri="{FF2B5EF4-FFF2-40B4-BE49-F238E27FC236}">
+                <a16:creationId xmlns:a16="http://schemas.microsoft.com/office/drawing/2014/main" id="{9E7F7CB6-7054-4FD0-848F-1635A3C4140A}"/>
+              </a:ext>
+            </a:extLst>
+          </p:cNvPr>
+          <p:cNvPicPr>
+            <a:picLocks noChangeAspect="1" noChangeArrowheads="1"/>
+          </p:cNvPicPr>
           <p:nvPr/>
-        </p:nvSpPr>
-        <p:spPr>
-          <a:xfrm>
-            <a:off x="3901135" y="604436"/>
-            <a:ext cx="4389728" cy="461665"/>
+        </p:nvPicPr>
+        <p:blipFill>
+          <a:blip r:embed="rId2">
+            <a:extLst>
+              <a:ext uri="{28A0092B-C50C-407E-A947-70E740481C1C}">
+                <a14:useLocalDpi xmlns:a14="http://schemas.microsoft.com/office/drawing/2010/main" val="0"/>
+              </a:ext>
+            </a:extLst>
+          </a:blip>
+          <a:srcRect/>
+          <a:stretch>
+            <a:fillRect/>
+          </a:stretch>
+        </p:blipFill>
+        <p:spPr bwMode="auto">
+          <a:xfrm>
+            <a:off x="3297469" y="430991"/>
+            <a:ext cx="5597061" cy="5597061"/>
           </a:xfrm>
           <a:prstGeom prst="rect">
             <a:avLst/>
           </a:prstGeom>
           <a:noFill/>
-        </p:spPr>
-        <p:txBody>
-          <a:bodyPr wrap="none" rtlCol="0">
-            <a:spAutoFit/>
-          </a:bodyPr>
-          <a:lstStyle/>
-          <a:p>
-            <a:pPr algn="ctr"/>
-            <a:r>
-              <a:rPr lang="fr-BE" sz="2400" b="1" dirty="0">
-                <a:effectLst>
-                  <a:outerShdw blurRad="38100" dist="38100" dir="2700000" algn="tl">
-                    <a:srgbClr val="000000">
-                      <a:alpha val="43137"/>
-                    </a:srgbClr>
-                  </a:outerShdw>
-                </a:effectLst>
-              </a:rPr>
-              <a:t>Modèle Conceptuel des Données</a:t>
-            </a:r>
-          </a:p>
-        </p:txBody>
-      </p:sp>
-      <p:sp>
-        <p:nvSpPr>
-          <p:cNvPr id="3" name="ZoneTexte 2">
-            <a:extLst>
-              <a:ext uri="{FF2B5EF4-FFF2-40B4-BE49-F238E27FC236}">
-                <a16:creationId xmlns:a16="http://schemas.microsoft.com/office/drawing/2014/main" id="{E9F78910-0902-4EEF-821B-2081FD3AAE53}"/>
-              </a:ext>
-            </a:extLst>
-          </p:cNvPr>
-          <p:cNvSpPr txBox="1"/>
+          <a:extLst>
+            <a:ext uri="{909E8E84-426E-40DD-AFC4-6F175D3DCCD1}">
+              <a14:hiddenFill xmlns:a14="http://schemas.microsoft.com/office/drawing/2010/main">
+                <a:solidFill>
+                  <a:srgbClr val="FFFFFF"/>
+                </a:solidFill>
+              </a14:hiddenFill>
+            </a:ext>
+          </a:extLst>
+        </p:spPr>
+      </p:pic>
+      <p:pic>
+        <p:nvPicPr>
+          <p:cNvPr id="3078" name="Picture 6" descr="Free voiture 1193778 PNG with Transparent Background">
+            <a:extLst>
+              <a:ext uri="{FF2B5EF4-FFF2-40B4-BE49-F238E27FC236}">
+                <a16:creationId xmlns:a16="http://schemas.microsoft.com/office/drawing/2014/main" id="{28D6628C-3C30-44F7-BDD4-81656743CA2F}"/>
+              </a:ext>
+            </a:extLst>
+          </p:cNvPr>
+          <p:cNvPicPr>
+            <a:picLocks noChangeAspect="1" noChangeArrowheads="1"/>
+          </p:cNvPicPr>
           <p:nvPr/>
-        </p:nvSpPr>
-        <p:spPr>
-          <a:xfrm>
-            <a:off x="928005" y="1294632"/>
-            <a:ext cx="8972133" cy="461665"/>
+        </p:nvPicPr>
+        <p:blipFill>
+          <a:blip r:embed="rId3">
+            <a:extLst>
+              <a:ext uri="{28A0092B-C50C-407E-A947-70E740481C1C}">
+                <a14:useLocalDpi xmlns:a14="http://schemas.microsoft.com/office/drawing/2010/main" val="0"/>
+              </a:ext>
+            </a:extLst>
+          </a:blip>
+          <a:srcRect/>
+          <a:stretch>
+            <a:fillRect/>
+          </a:stretch>
+        </p:blipFill>
+        <p:spPr bwMode="auto">
+          <a:xfrm>
+            <a:off x="7542194" y="780079"/>
+            <a:ext cx="600044" cy="352727"/>
           </a:xfrm>
           <a:prstGeom prst="rect">
             <a:avLst/>
           </a:prstGeom>
           <a:noFill/>
-        </p:spPr>
-        <p:txBody>
-          <a:bodyPr wrap="square" rtlCol="0">
-            <a:spAutoFit/>
-          </a:bodyPr>
-          <a:lstStyle/>
-          <a:p>
-            <a:r>
-              <a:rPr lang="fr-BE" sz="2400" b="1" dirty="0">
+          <a:extLst>
+            <a:ext uri="{909E8E84-426E-40DD-AFC4-6F175D3DCCD1}">
+              <a14:hiddenFill xmlns:a14="http://schemas.microsoft.com/office/drawing/2010/main">
                 <a:solidFill>
-                  <a:schemeClr val="accent6"/>
+                  <a:srgbClr val="FFFFFF"/>
                 </a:solidFill>
-              </a:rPr>
-              <a:t>ENTITES</a:t>
-            </a:r>
-            <a:r>
-              <a:rPr lang="fr-BE" sz="2000" b="1" dirty="0">
-                <a:solidFill>
-                  <a:schemeClr val="accent6"/>
-                </a:solidFill>
-              </a:rPr>
-              <a:t> : Représentent les  « objets » (physique/ou non) qui seront informatisés.</a:t>
-            </a:r>
-          </a:p>
-        </p:txBody>
-      </p:sp>
+              </a14:hiddenFill>
+            </a:ext>
+          </a:extLst>
+        </p:spPr>
+      </p:pic>
       <p:pic>
         <p:nvPicPr>
-          <p:cNvPr id="10" name="Image 9">
-            <a:extLst>
-              <a:ext uri="{FF2B5EF4-FFF2-40B4-BE49-F238E27FC236}">
-                <a16:creationId xmlns:a16="http://schemas.microsoft.com/office/drawing/2014/main" id="{1C49BF98-1654-4BF2-AC4E-CAF8B56033CE}"/>
+          <p:cNvPr id="3080" name="Picture 8" descr="Free voiture 1193825 PNG with Transparent Background">
+            <a:extLst>
+              <a:ext uri="{FF2B5EF4-FFF2-40B4-BE49-F238E27FC236}">
+                <a16:creationId xmlns:a16="http://schemas.microsoft.com/office/drawing/2014/main" id="{18ABAB47-3931-46A0-9478-B5EABEF062C3}"/>
               </a:ext>
             </a:extLst>
           </p:cNvPr>
           <p:cNvPicPr>
-            <a:picLocks noChangeAspect="1"/>
+            <a:picLocks noChangeAspect="1" noChangeArrowheads="1"/>
           </p:cNvPicPr>
           <p:nvPr/>
         </p:nvPicPr>
         <p:blipFill>
-          <a:blip r:embed="rId2"/>
+          <a:blip r:embed="rId4">
+            <a:extLst>
+              <a:ext uri="{28A0092B-C50C-407E-A947-70E740481C1C}">
+                <a14:useLocalDpi xmlns:a14="http://schemas.microsoft.com/office/drawing/2010/main" val="0"/>
+              </a:ext>
+            </a:extLst>
+          </a:blip>
+          <a:srcRect/>
           <a:stretch>
             <a:fillRect/>
           </a:stretch>
         </p:blipFill>
-        <p:spPr>
-          <a:xfrm>
-            <a:off x="847345" y="2281604"/>
-            <a:ext cx="10411520" cy="3971960"/>
-          </a:xfrm>
-          <a:prstGeom prst="rect">
-            <a:avLst/>
-          </a:prstGeom>
-        </p:spPr>
-      </p:pic>
-      <p:sp>
-        <p:nvSpPr>
-          <p:cNvPr id="11" name="Rectangle 10">
-            <a:extLst>
-              <a:ext uri="{FF2B5EF4-FFF2-40B4-BE49-F238E27FC236}">
-                <a16:creationId xmlns:a16="http://schemas.microsoft.com/office/drawing/2014/main" id="{EAC62BBA-3C87-44C7-86C5-2613F3EBBD27}"/>
-              </a:ext>
-            </a:extLst>
-          </p:cNvPr>
-          <p:cNvSpPr/>
-          <p:nvPr/>
-        </p:nvSpPr>
-        <p:spPr>
-          <a:xfrm>
-            <a:off x="4115998" y="2325564"/>
-            <a:ext cx="2144125" cy="2407627"/>
+        <p:spPr bwMode="auto">
+          <a:xfrm>
+            <a:off x="4006809" y="3826501"/>
+            <a:ext cx="703119" cy="361403"/>
           </a:xfrm>
           <a:prstGeom prst="rect">
             <a:avLst/>
           </a:prstGeom>
           <a:noFill/>
-          <a:ln w="38100">
-            <a:solidFill>
-              <a:schemeClr val="accent6"/>
-            </a:solidFill>
-          </a:ln>
-        </p:spPr>
-        <p:style>
-          <a:lnRef idx="2">
-            <a:schemeClr val="accent1">
-              <a:shade val="50000"/>
-            </a:schemeClr>
-          </a:lnRef>
-          <a:fillRef idx="1">
-            <a:schemeClr val="accent1"/>
-          </a:fillRef>
-          <a:effectRef idx="0">
-            <a:schemeClr val="accent1"/>
-          </a:effectRef>
-          <a:fontRef idx="minor">
-            <a:schemeClr val="lt1"/>
-          </a:fontRef>
-        </p:style>
-        <p:txBody>
-          <a:bodyPr rtlCol="0" anchor="ctr"/>
-          <a:lstStyle/>
-          <a:p>
-            <a:pPr algn="ctr"/>
-            <a:endParaRPr lang="fr-BE"/>
-          </a:p>
-        </p:txBody>
-      </p:sp>
-      <p:sp>
-        <p:nvSpPr>
-          <p:cNvPr id="12" name="Rectangle 11">
-            <a:extLst>
-              <a:ext uri="{FF2B5EF4-FFF2-40B4-BE49-F238E27FC236}">
-                <a16:creationId xmlns:a16="http://schemas.microsoft.com/office/drawing/2014/main" id="{3F8C179A-6194-481E-A4AF-BFFD7829559E}"/>
-              </a:ext>
-            </a:extLst>
-          </p:cNvPr>
-          <p:cNvSpPr/>
+          <a:extLst>
+            <a:ext uri="{909E8E84-426E-40DD-AFC4-6F175D3DCCD1}">
+              <a14:hiddenFill xmlns:a14="http://schemas.microsoft.com/office/drawing/2010/main">
+                <a:solidFill>
+                  <a:srgbClr val="FFFFFF"/>
+                </a:solidFill>
+              </a14:hiddenFill>
+            </a:ext>
+          </a:extLst>
+        </p:spPr>
+      </p:pic>
+      <p:pic>
+        <p:nvPicPr>
+          <p:cNvPr id="3084" name="Picture 12" descr="Free voiture 1193786 PNG with Transparent Background">
+            <a:extLst>
+              <a:ext uri="{FF2B5EF4-FFF2-40B4-BE49-F238E27FC236}">
+                <a16:creationId xmlns:a16="http://schemas.microsoft.com/office/drawing/2014/main" id="{20D4EB7C-40AC-4EBF-BB4E-8BFDBB0B1C49}"/>
+              </a:ext>
+            </a:extLst>
+          </p:cNvPr>
+          <p:cNvPicPr>
+            <a:picLocks noChangeAspect="1" noChangeArrowheads="1"/>
+          </p:cNvPicPr>
           <p:nvPr/>
-        </p:nvSpPr>
-        <p:spPr>
-          <a:xfrm>
-            <a:off x="9164514" y="2316772"/>
-            <a:ext cx="2081895" cy="1718896"/>
+        </p:nvPicPr>
+        <p:blipFill>
+          <a:blip r:embed="rId5">
+            <a:extLst>
+              <a:ext uri="{28A0092B-C50C-407E-A947-70E740481C1C}">
+                <a14:useLocalDpi xmlns:a14="http://schemas.microsoft.com/office/drawing/2010/main" val="0"/>
+              </a:ext>
+            </a:extLst>
+          </a:blip>
+          <a:srcRect/>
+          <a:stretch>
+            <a:fillRect/>
+          </a:stretch>
+        </p:blipFill>
+        <p:spPr bwMode="auto">
+          <a:xfrm>
+            <a:off x="4049763" y="782884"/>
+            <a:ext cx="600044" cy="364481"/>
           </a:xfrm>
           <a:prstGeom prst="rect">
             <a:avLst/>
           </a:prstGeom>
           <a:noFill/>
-          <a:ln w="38100">
-            <a:solidFill>
-              <a:schemeClr val="accent6"/>
-            </a:solidFill>
-          </a:ln>
-        </p:spPr>
-        <p:style>
-          <a:lnRef idx="2">
-            <a:schemeClr val="accent1">
-              <a:shade val="50000"/>
-            </a:schemeClr>
-          </a:lnRef>
-          <a:fillRef idx="1">
-            <a:schemeClr val="accent1"/>
-          </a:fillRef>
-          <a:effectRef idx="0">
-            <a:schemeClr val="accent1"/>
-          </a:effectRef>
-          <a:fontRef idx="minor">
-            <a:schemeClr val="lt1"/>
-          </a:fontRef>
-        </p:style>
-        <p:txBody>
-          <a:bodyPr rtlCol="0" anchor="ctr"/>
-          <a:lstStyle/>
-          <a:p>
-            <a:pPr algn="ctr"/>
-            <a:endParaRPr lang="fr-BE"/>
-          </a:p>
-        </p:txBody>
-      </p:sp>
-      <p:sp>
-        <p:nvSpPr>
-          <p:cNvPr id="13" name="Rectangle 12">
-            <a:extLst>
-              <a:ext uri="{FF2B5EF4-FFF2-40B4-BE49-F238E27FC236}">
-                <a16:creationId xmlns:a16="http://schemas.microsoft.com/office/drawing/2014/main" id="{3FAB06CC-0A60-466B-BC4D-A6FC52DD9820}"/>
-              </a:ext>
-            </a:extLst>
-          </p:cNvPr>
-          <p:cNvSpPr/>
+          <a:extLst>
+            <a:ext uri="{909E8E84-426E-40DD-AFC4-6F175D3DCCD1}">
+              <a14:hiddenFill xmlns:a14="http://schemas.microsoft.com/office/drawing/2010/main">
+                <a:solidFill>
+                  <a:srgbClr val="FFFFFF"/>
+                </a:solidFill>
+              </a14:hiddenFill>
+            </a:ext>
+          </a:extLst>
+        </p:spPr>
+      </p:pic>
+      <p:pic>
+        <p:nvPicPr>
+          <p:cNvPr id="3086" name="Picture 14" descr="Icônes Voiture au style Windows Metro">
+            <a:extLst>
+              <a:ext uri="{FF2B5EF4-FFF2-40B4-BE49-F238E27FC236}">
+                <a16:creationId xmlns:a16="http://schemas.microsoft.com/office/drawing/2014/main" id="{7D395D29-2A67-4782-89DC-6CE96ECBE4E2}"/>
+              </a:ext>
+            </a:extLst>
+          </p:cNvPr>
+          <p:cNvPicPr>
+            <a:picLocks noChangeAspect="1" noChangeArrowheads="1"/>
+          </p:cNvPicPr>
           <p:nvPr/>
-        </p:nvSpPr>
-        <p:spPr>
-          <a:xfrm>
-            <a:off x="967157" y="4768359"/>
-            <a:ext cx="2081894" cy="1345223"/>
+        </p:nvPicPr>
+        <p:blipFill>
+          <a:blip r:embed="rId6">
+            <a:extLst>
+              <a:ext uri="{28A0092B-C50C-407E-A947-70E740481C1C}">
+                <a14:useLocalDpi xmlns:a14="http://schemas.microsoft.com/office/drawing/2010/main" val="0"/>
+              </a:ext>
+            </a:extLst>
+          </a:blip>
+          <a:srcRect/>
+          <a:stretch>
+            <a:fillRect/>
+          </a:stretch>
+        </p:blipFill>
+        <p:spPr bwMode="auto">
+          <a:xfrm>
+            <a:off x="7656768" y="3750787"/>
+            <a:ext cx="485470" cy="485470"/>
           </a:xfrm>
           <a:prstGeom prst="rect">
             <a:avLst/>
           </a:prstGeom>
           <a:noFill/>
-          <a:ln w="38100">
-            <a:solidFill>
-              <a:schemeClr val="accent6"/>
-            </a:solidFill>
-          </a:ln>
-        </p:spPr>
-        <p:style>
-          <a:lnRef idx="2">
-            <a:schemeClr val="accent1">
-              <a:shade val="50000"/>
-            </a:schemeClr>
-          </a:lnRef>
-          <a:fillRef idx="1">
-            <a:schemeClr val="accent1"/>
-          </a:fillRef>
-          <a:effectRef idx="0">
-            <a:schemeClr val="accent1"/>
-          </a:effectRef>
-          <a:fontRef idx="minor">
-            <a:schemeClr val="lt1"/>
-          </a:fontRef>
-        </p:style>
-        <p:txBody>
-          <a:bodyPr rtlCol="0" anchor="ctr"/>
-          <a:lstStyle/>
-          <a:p>
-            <a:pPr algn="ctr"/>
-            <a:endParaRPr lang="fr-BE"/>
-          </a:p>
-        </p:txBody>
-      </p:sp>
-      <p:sp>
-        <p:nvSpPr>
-          <p:cNvPr id="14" name="Rectangle 13">
-            <a:extLst>
-              <a:ext uri="{FF2B5EF4-FFF2-40B4-BE49-F238E27FC236}">
-                <a16:creationId xmlns:a16="http://schemas.microsoft.com/office/drawing/2014/main" id="{585EF0B9-BC56-427D-8F75-32F9B4A24D8A}"/>
-              </a:ext>
-            </a:extLst>
-          </p:cNvPr>
-          <p:cNvSpPr/>
+          <a:extLst>
+            <a:ext uri="{909E8E84-426E-40DD-AFC4-6F175D3DCCD1}">
+              <a14:hiddenFill xmlns:a14="http://schemas.microsoft.com/office/drawing/2010/main">
+                <a:solidFill>
+                  <a:srgbClr val="FFFFFF"/>
+                </a:solidFill>
+              </a14:hiddenFill>
+            </a:ext>
+          </a:extLst>
+        </p:spPr>
+      </p:pic>
+      <p:sp>
+        <p:nvSpPr>
+          <p:cNvPr id="12" name="ZoneTexte 11">
+            <a:extLst>
+              <a:ext uri="{FF2B5EF4-FFF2-40B4-BE49-F238E27FC236}">
+                <a16:creationId xmlns:a16="http://schemas.microsoft.com/office/drawing/2014/main" id="{55E4FBE2-D66F-4C75-AB8B-D3BFAE479F60}"/>
+              </a:ext>
+            </a:extLst>
+          </p:cNvPr>
+          <p:cNvSpPr txBox="1"/>
           <p:nvPr/>
         </p:nvSpPr>
         <p:spPr>
           <a:xfrm>
-            <a:off x="7212940" y="4785943"/>
-            <a:ext cx="2081894" cy="1263162"/>
+            <a:off x="4104382" y="1579732"/>
+            <a:ext cx="3983233" cy="2246769"/>
           </a:xfrm>
           <a:prstGeom prst="rect">
             <a:avLst/>
           </a:prstGeom>
           <a:noFill/>
-          <a:ln w="38100">
-            <a:solidFill>
-              <a:schemeClr val="accent6"/>
-            </a:solidFill>
+          <a:ln>
+            <a:noFill/>
           </a:ln>
-        </p:spPr>
-        <p:style>
-          <a:lnRef idx="2">
-            <a:schemeClr val="accent1">
-              <a:shade val="50000"/>
-            </a:schemeClr>
-          </a:lnRef>
-          <a:fillRef idx="1">
-            <a:schemeClr val="accent1"/>
-          </a:fillRef>
-          <a:effectRef idx="0">
-            <a:schemeClr val="accent1"/>
-          </a:effectRef>
-          <a:fontRef idx="minor">
-            <a:schemeClr val="lt1"/>
-          </a:fontRef>
-        </p:style>
-        <p:txBody>
-          <a:bodyPr rtlCol="0" anchor="ctr"/>
+          <a:effectLst>
+            <a:outerShdw blurRad="149987" dist="250190" dir="8460000" algn="ctr">
+              <a:srgbClr val="000000">
+                <a:alpha val="28000"/>
+              </a:srgbClr>
+            </a:outerShdw>
+          </a:effectLst>
+          <a:scene3d>
+            <a:camera prst="orthographicFront">
+              <a:rot lat="0" lon="0" rev="0"/>
+            </a:camera>
+            <a:lightRig rig="contrasting" dir="t">
+              <a:rot lat="0" lon="0" rev="1500000"/>
+            </a:lightRig>
+          </a:scene3d>
+          <a:sp3d prstMaterial="metal">
+            <a:bevelT w="88900" h="88900"/>
+          </a:sp3d>
+        </p:spPr>
+        <p:txBody>
+          <a:bodyPr wrap="square" rtlCol="0">
+            <a:spAutoFit/>
+          </a:bodyPr>
           <a:lstStyle/>
           <a:p>
             <a:pPr algn="ctr"/>
-            <a:endParaRPr lang="fr-BE"/>
-          </a:p>
-        </p:txBody>
-      </p:sp>
+            <a:r>
+              <a:rPr lang="fr-BE" sz="2800" dirty="0">
+                <a:latin typeface="Bahnschrift" panose="020B0502040204020203" pitchFamily="34" charset="0"/>
+              </a:rPr>
+              <a:t>[Afficher les voitures]</a:t>
+            </a:r>
+          </a:p>
+          <a:p>
+            <a:pPr algn="ctr"/>
+            <a:r>
+              <a:rPr lang="fr-BE" sz="2800" dirty="0">
+                <a:latin typeface="Bahnschrift" panose="020B0502040204020203" pitchFamily="34" charset="0"/>
+              </a:rPr>
+              <a:t>[Ajouter une voiture]</a:t>
+            </a:r>
+          </a:p>
+          <a:p>
+            <a:pPr algn="ctr"/>
+            <a:r>
+              <a:rPr lang="fr-BE" sz="2800" dirty="0">
+                <a:latin typeface="Bahnschrift" panose="020B0502040204020203" pitchFamily="34" charset="0"/>
+              </a:rPr>
+              <a:t>[Modifier une voiture]</a:t>
+            </a:r>
+          </a:p>
+          <a:p>
+            <a:pPr algn="ctr"/>
+            <a:r>
+              <a:rPr lang="fr-BE" sz="2800" dirty="0">
+                <a:latin typeface="Bahnschrift" panose="020B0502040204020203" pitchFamily="34" charset="0"/>
+              </a:rPr>
+              <a:t>[Supprimer une voiture]</a:t>
+            </a:r>
+          </a:p>
+          <a:p>
+            <a:pPr algn="ctr"/>
+            <a:r>
+              <a:rPr lang="fr-BE" sz="2800" dirty="0">
+                <a:latin typeface="Bahnschrift" panose="020B0502040204020203" pitchFamily="34" charset="0"/>
+              </a:rPr>
+              <a:t>-- Quitter --</a:t>
+            </a:r>
+          </a:p>
+        </p:txBody>
+      </p:sp>
+      <p:pic>
+        <p:nvPicPr>
+          <p:cNvPr id="3092" name="Picture 20" descr="Menu — The Flying Otter">
+            <a:extLst>
+              <a:ext uri="{FF2B5EF4-FFF2-40B4-BE49-F238E27FC236}">
+                <a16:creationId xmlns:a16="http://schemas.microsoft.com/office/drawing/2014/main" id="{E4F271F7-116A-4621-8CA3-36DAC3DE6BEE}"/>
+              </a:ext>
+            </a:extLst>
+          </p:cNvPr>
+          <p:cNvPicPr>
+            <a:picLocks noChangeAspect="1" noChangeArrowheads="1"/>
+          </p:cNvPicPr>
+          <p:nvPr/>
+        </p:nvPicPr>
+        <p:blipFill>
+          <a:blip r:embed="rId7">
+            <a:extLst>
+              <a:ext uri="{28A0092B-C50C-407E-A947-70E740481C1C}">
+                <a14:useLocalDpi xmlns:a14="http://schemas.microsoft.com/office/drawing/2010/main" val="0"/>
+              </a:ext>
+            </a:extLst>
+          </a:blip>
+          <a:srcRect/>
+          <a:stretch>
+            <a:fillRect/>
+          </a:stretch>
+        </p:blipFill>
+        <p:spPr bwMode="auto">
+          <a:xfrm>
+            <a:off x="5028777" y="694983"/>
+            <a:ext cx="2134441" cy="904763"/>
+          </a:xfrm>
+          <a:prstGeom prst="rect">
+            <a:avLst/>
+          </a:prstGeom>
+          <a:noFill/>
+          <a:extLst>
+            <a:ext uri="{909E8E84-426E-40DD-AFC4-6F175D3DCCD1}">
+              <a14:hiddenFill xmlns:a14="http://schemas.microsoft.com/office/drawing/2010/main">
+                <a:solidFill>
+                  <a:srgbClr val="FFFFFF"/>
+                </a:solidFill>
+              </a14:hiddenFill>
+            </a:ext>
+          </a:extLst>
+        </p:spPr>
+      </p:pic>
     </p:spTree>
     <p:extLst>
       <p:ext uri="{BB962C8B-B14F-4D97-AF65-F5344CB8AC3E}">
-        <p14:creationId xmlns:p14="http://schemas.microsoft.com/office/powerpoint/2010/main" val="1345903459"/>
+        <p14:creationId xmlns:p14="http://schemas.microsoft.com/office/powerpoint/2010/main" val="1984895974"/>
       </p:ext>
     </p:extLst>
   </p:cSld>
@@ -3937,7 +4234,6 @@
           </a:bodyPr>
           <a:lstStyle/>
           <a:p>
-            <a:pPr algn="ctr"/>
             <a:r>
               <a:rPr lang="fr-BE" sz="2400" b="1" dirty="0">
                 <a:effectLst>
@@ -3953,12 +4249,95 @@
           </a:p>
         </p:txBody>
       </p:sp>
+      <p:sp>
+        <p:nvSpPr>
+          <p:cNvPr id="9" name="ZoneTexte 8">
+            <a:extLst>
+              <a:ext uri="{FF2B5EF4-FFF2-40B4-BE49-F238E27FC236}">
+                <a16:creationId xmlns:a16="http://schemas.microsoft.com/office/drawing/2014/main" id="{5571D483-BCB5-4AF8-94AA-6529C087DBC9}"/>
+              </a:ext>
+            </a:extLst>
+          </p:cNvPr>
+          <p:cNvSpPr txBox="1"/>
+          <p:nvPr/>
+        </p:nvSpPr>
+        <p:spPr>
+          <a:xfrm>
+            <a:off x="2555052" y="1371600"/>
+            <a:ext cx="7239482" cy="646331"/>
+          </a:xfrm>
+          <a:prstGeom prst="rect">
+            <a:avLst/>
+          </a:prstGeom>
+          <a:noFill/>
+        </p:spPr>
+        <p:txBody>
+          <a:bodyPr wrap="none" rtlCol="0">
+            <a:spAutoFit/>
+          </a:bodyPr>
+          <a:lstStyle/>
+          <a:p>
+            <a:pPr algn="ctr"/>
+            <a:r>
+              <a:rPr lang="fr-BE" dirty="0">
+                <a:solidFill>
+                  <a:srgbClr val="212529"/>
+                </a:solidFill>
+                <a:latin typeface="Verdana" panose="020B0604030504040204" pitchFamily="34" charset="0"/>
+              </a:rPr>
+              <a:t>Un </a:t>
+            </a:r>
+            <a:r>
+              <a:rPr lang="fr-BE" b="1" dirty="0">
+                <a:solidFill>
+                  <a:srgbClr val="212529"/>
+                </a:solidFill>
+                <a:latin typeface="Verdana" panose="020B0604030504040204" pitchFamily="34" charset="0"/>
+              </a:rPr>
+              <a:t>MCD</a:t>
+            </a:r>
+            <a:r>
+              <a:rPr lang="fr-BE" dirty="0">
+                <a:solidFill>
+                  <a:srgbClr val="212529"/>
+                </a:solidFill>
+                <a:latin typeface="Verdana" panose="020B0604030504040204" pitchFamily="34" charset="0"/>
+              </a:rPr>
+              <a:t> est la r</a:t>
+            </a:r>
+            <a:r>
+              <a:rPr lang="fr-BE" b="0" i="0" dirty="0">
+                <a:solidFill>
+                  <a:srgbClr val="212529"/>
+                </a:solidFill>
+                <a:effectLst/>
+                <a:latin typeface="Verdana" panose="020B0604030504040204" pitchFamily="34" charset="0"/>
+              </a:rPr>
+              <a:t>eprésentation graphique et structurée </a:t>
+            </a:r>
+          </a:p>
+          <a:p>
+            <a:pPr algn="ctr"/>
+            <a:r>
+              <a:rPr lang="fr-BE" b="0" i="0" dirty="0">
+                <a:solidFill>
+                  <a:srgbClr val="212529"/>
+                </a:solidFill>
+                <a:effectLst/>
+                <a:latin typeface="Verdana" panose="020B0604030504040204" pitchFamily="34" charset="0"/>
+              </a:rPr>
+              <a:t>des informations mémorisées par un système d’information.</a:t>
+            </a:r>
+            <a:endParaRPr lang="fr-BE" dirty="0"/>
+          </a:p>
+        </p:txBody>
+      </p:sp>
       <p:pic>
         <p:nvPicPr>
-          <p:cNvPr id="10" name="Image 9">
-            <a:extLst>
-              <a:ext uri="{FF2B5EF4-FFF2-40B4-BE49-F238E27FC236}">
-                <a16:creationId xmlns:a16="http://schemas.microsoft.com/office/drawing/2014/main" id="{1C49BF98-1654-4BF2-AC4E-CAF8B56033CE}"/>
+          <p:cNvPr id="11" name="Image 10">
+            <a:extLst>
+              <a:ext uri="{FF2B5EF4-FFF2-40B4-BE49-F238E27FC236}">
+                <a16:creationId xmlns:a16="http://schemas.microsoft.com/office/drawing/2014/main" id="{B4893943-8CE3-4BBD-A497-145156DB4F48}"/>
               </a:ext>
             </a:extLst>
           </p:cNvPr>
@@ -3975,221 +4354,18 @@
         </p:blipFill>
         <p:spPr>
           <a:xfrm>
-            <a:off x="847345" y="2281604"/>
-            <a:ext cx="10411520" cy="3971960"/>
+            <a:off x="928005" y="2312375"/>
+            <a:ext cx="10387695" cy="3962873"/>
           </a:xfrm>
           <a:prstGeom prst="rect">
             <a:avLst/>
           </a:prstGeom>
         </p:spPr>
       </p:pic>
-      <p:sp>
-        <p:nvSpPr>
-          <p:cNvPr id="15" name="ZoneTexte 14">
-            <a:extLst>
-              <a:ext uri="{FF2B5EF4-FFF2-40B4-BE49-F238E27FC236}">
-                <a16:creationId xmlns:a16="http://schemas.microsoft.com/office/drawing/2014/main" id="{1C5E8085-7DC0-4F4B-83CF-9F3410477608}"/>
-              </a:ext>
-            </a:extLst>
-          </p:cNvPr>
-          <p:cNvSpPr txBox="1"/>
-          <p:nvPr/>
-        </p:nvSpPr>
-        <p:spPr>
-          <a:xfrm>
-            <a:off x="928005" y="1294632"/>
-            <a:ext cx="8980926" cy="461665"/>
-          </a:xfrm>
-          <a:prstGeom prst="rect">
-            <a:avLst/>
-          </a:prstGeom>
-          <a:noFill/>
-        </p:spPr>
-        <p:txBody>
-          <a:bodyPr wrap="square" rtlCol="0">
-            <a:spAutoFit/>
-          </a:bodyPr>
-          <a:lstStyle/>
-          <a:p>
-            <a:r>
-              <a:rPr lang="fr-BE" sz="2400" b="1" dirty="0">
-                <a:solidFill>
-                  <a:schemeClr val="accent1"/>
-                </a:solidFill>
-              </a:rPr>
-              <a:t>ASSOCIATIONS : </a:t>
-            </a:r>
-            <a:r>
-              <a:rPr lang="fr-BE" sz="2000" b="1" dirty="0">
-                <a:solidFill>
-                  <a:schemeClr val="accent1"/>
-                </a:solidFill>
-              </a:rPr>
-              <a:t>Représentent les liens/relations entre les différents entités.</a:t>
-            </a:r>
-          </a:p>
-        </p:txBody>
-      </p:sp>
-      <p:sp>
-        <p:nvSpPr>
-          <p:cNvPr id="16" name="Rectangle : coins arrondis 15">
-            <a:extLst>
-              <a:ext uri="{FF2B5EF4-FFF2-40B4-BE49-F238E27FC236}">
-                <a16:creationId xmlns:a16="http://schemas.microsoft.com/office/drawing/2014/main" id="{61D347CF-D7FE-43D0-8817-2A6063B71481}"/>
-              </a:ext>
-            </a:extLst>
-          </p:cNvPr>
-          <p:cNvSpPr/>
-          <p:nvPr/>
-        </p:nvSpPr>
-        <p:spPr>
-          <a:xfrm>
-            <a:off x="892837" y="2699239"/>
-            <a:ext cx="2184472" cy="993530"/>
-          </a:xfrm>
-          <a:prstGeom prst="roundRect">
-            <a:avLst/>
-          </a:prstGeom>
-          <a:noFill/>
-          <a:ln w="38100">
-            <a:solidFill>
-              <a:schemeClr val="accent1"/>
-            </a:solidFill>
-          </a:ln>
-        </p:spPr>
-        <p:style>
-          <a:lnRef idx="2">
-            <a:schemeClr val="accent1">
-              <a:shade val="50000"/>
-            </a:schemeClr>
-          </a:lnRef>
-          <a:fillRef idx="1">
-            <a:schemeClr val="accent1"/>
-          </a:fillRef>
-          <a:effectRef idx="0">
-            <a:schemeClr val="accent1"/>
-          </a:effectRef>
-          <a:fontRef idx="minor">
-            <a:schemeClr val="lt1"/>
-          </a:fontRef>
-        </p:style>
-        <p:txBody>
-          <a:bodyPr rtlCol="0" anchor="ctr"/>
-          <a:lstStyle/>
-          <a:p>
-            <a:pPr algn="ctr"/>
-            <a:endParaRPr lang="fr-BE"/>
-          </a:p>
-        </p:txBody>
-      </p:sp>
-      <p:sp>
-        <p:nvSpPr>
-          <p:cNvPr id="17" name="Rectangle : coins arrondis 16">
-            <a:extLst>
-              <a:ext uri="{FF2B5EF4-FFF2-40B4-BE49-F238E27FC236}">
-                <a16:creationId xmlns:a16="http://schemas.microsoft.com/office/drawing/2014/main" id="{9FA69257-799B-48CE-8143-F89935FA0D1A}"/>
-              </a:ext>
-            </a:extLst>
-          </p:cNvPr>
-          <p:cNvSpPr/>
-          <p:nvPr/>
-        </p:nvSpPr>
-        <p:spPr>
-          <a:xfrm>
-            <a:off x="3886482" y="5066603"/>
-            <a:ext cx="2184472" cy="993530"/>
-          </a:xfrm>
-          <a:prstGeom prst="roundRect">
-            <a:avLst/>
-          </a:prstGeom>
-          <a:noFill/>
-          <a:ln w="38100">
-            <a:solidFill>
-              <a:schemeClr val="accent1"/>
-            </a:solidFill>
-          </a:ln>
-        </p:spPr>
-        <p:style>
-          <a:lnRef idx="2">
-            <a:schemeClr val="accent1">
-              <a:shade val="50000"/>
-            </a:schemeClr>
-          </a:lnRef>
-          <a:fillRef idx="1">
-            <a:schemeClr val="accent1"/>
-          </a:fillRef>
-          <a:effectRef idx="0">
-            <a:schemeClr val="accent1"/>
-          </a:effectRef>
-          <a:fontRef idx="minor">
-            <a:schemeClr val="lt1"/>
-          </a:fontRef>
-        </p:style>
-        <p:txBody>
-          <a:bodyPr rtlCol="0" anchor="ctr"/>
-          <a:lstStyle/>
-          <a:p>
-            <a:pPr algn="ctr"/>
-            <a:endParaRPr lang="fr-BE"/>
-          </a:p>
-        </p:txBody>
-      </p:sp>
-      <p:sp>
-        <p:nvSpPr>
-          <p:cNvPr id="18" name="Rectangle : coins arrondis 17">
-            <a:extLst>
-              <a:ext uri="{FF2B5EF4-FFF2-40B4-BE49-F238E27FC236}">
-                <a16:creationId xmlns:a16="http://schemas.microsoft.com/office/drawing/2014/main" id="{528CCFB5-E1F9-4CCA-96F1-4721CC137865}"/>
-              </a:ext>
-            </a:extLst>
-          </p:cNvPr>
-          <p:cNvSpPr/>
-          <p:nvPr/>
-        </p:nvSpPr>
-        <p:spPr>
-          <a:xfrm>
-            <a:off x="6584390" y="2672863"/>
-            <a:ext cx="2184472" cy="993530"/>
-          </a:xfrm>
-          <a:prstGeom prst="roundRect">
-            <a:avLst/>
-          </a:prstGeom>
-          <a:noFill/>
-          <a:ln w="38100">
-            <a:solidFill>
-              <a:schemeClr val="accent1"/>
-            </a:solidFill>
-          </a:ln>
-        </p:spPr>
-        <p:style>
-          <a:lnRef idx="2">
-            <a:schemeClr val="accent1">
-              <a:shade val="50000"/>
-            </a:schemeClr>
-          </a:lnRef>
-          <a:fillRef idx="1">
-            <a:schemeClr val="accent1"/>
-          </a:fillRef>
-          <a:effectRef idx="0">
-            <a:schemeClr val="accent1"/>
-          </a:effectRef>
-          <a:fontRef idx="minor">
-            <a:schemeClr val="lt1"/>
-          </a:fontRef>
-        </p:style>
-        <p:txBody>
-          <a:bodyPr rtlCol="0" anchor="ctr"/>
-          <a:lstStyle/>
-          <a:p>
-            <a:pPr algn="ctr"/>
-            <a:endParaRPr lang="fr-BE"/>
-          </a:p>
-        </p:txBody>
-      </p:sp>
     </p:spTree>
     <p:extLst>
       <p:ext uri="{BB962C8B-B14F-4D97-AF65-F5344CB8AC3E}">
-        <p14:creationId xmlns:p14="http://schemas.microsoft.com/office/powerpoint/2010/main" val="1264940596"/>
+        <p14:creationId xmlns:p14="http://schemas.microsoft.com/office/powerpoint/2010/main" val="1768084306"/>
       </p:ext>
     </p:extLst>
   </p:cSld>
@@ -4260,6 +4436,53 @@
           </a:p>
         </p:txBody>
       </p:sp>
+      <p:sp>
+        <p:nvSpPr>
+          <p:cNvPr id="3" name="ZoneTexte 2">
+            <a:extLst>
+              <a:ext uri="{FF2B5EF4-FFF2-40B4-BE49-F238E27FC236}">
+                <a16:creationId xmlns:a16="http://schemas.microsoft.com/office/drawing/2014/main" id="{E9F78910-0902-4EEF-821B-2081FD3AAE53}"/>
+              </a:ext>
+            </a:extLst>
+          </p:cNvPr>
+          <p:cNvSpPr txBox="1"/>
+          <p:nvPr/>
+        </p:nvSpPr>
+        <p:spPr>
+          <a:xfrm>
+            <a:off x="928005" y="1294632"/>
+            <a:ext cx="8972133" cy="461665"/>
+          </a:xfrm>
+          <a:prstGeom prst="rect">
+            <a:avLst/>
+          </a:prstGeom>
+          <a:noFill/>
+        </p:spPr>
+        <p:txBody>
+          <a:bodyPr wrap="square" rtlCol="0">
+            <a:spAutoFit/>
+          </a:bodyPr>
+          <a:lstStyle/>
+          <a:p>
+            <a:r>
+              <a:rPr lang="fr-BE" sz="2400" b="1" dirty="0">
+                <a:solidFill>
+                  <a:schemeClr val="accent6"/>
+                </a:solidFill>
+              </a:rPr>
+              <a:t>ENTITES</a:t>
+            </a:r>
+            <a:r>
+              <a:rPr lang="fr-BE" sz="2000" b="1" dirty="0">
+                <a:solidFill>
+                  <a:schemeClr val="accent6"/>
+                </a:solidFill>
+              </a:rPr>
+              <a:t> : Représentent les  « objets » (physique/ou non) qui seront informatisés.</a:t>
+            </a:r>
+          </a:p>
+        </p:txBody>
+      </p:sp>
       <p:pic>
         <p:nvPicPr>
           <p:cNvPr id="10" name="Image 9">
@@ -4292,61 +4515,10 @@
       </p:pic>
       <p:sp>
         <p:nvSpPr>
-          <p:cNvPr id="15" name="ZoneTexte 14">
-            <a:extLst>
-              <a:ext uri="{FF2B5EF4-FFF2-40B4-BE49-F238E27FC236}">
-                <a16:creationId xmlns:a16="http://schemas.microsoft.com/office/drawing/2014/main" id="{1C5E8085-7DC0-4F4B-83CF-9F3410477608}"/>
-              </a:ext>
-            </a:extLst>
-          </p:cNvPr>
-          <p:cNvSpPr txBox="1"/>
-          <p:nvPr/>
-        </p:nvSpPr>
-        <p:spPr>
-          <a:xfrm>
-            <a:off x="928005" y="1294632"/>
-            <a:ext cx="9446918" cy="769441"/>
-          </a:xfrm>
-          <a:prstGeom prst="rect">
-            <a:avLst/>
-          </a:prstGeom>
-          <a:noFill/>
-        </p:spPr>
-        <p:txBody>
-          <a:bodyPr wrap="square" rtlCol="0">
-            <a:spAutoFit/>
-          </a:bodyPr>
-          <a:lstStyle/>
-          <a:p>
-            <a:r>
-              <a:rPr lang="fr-BE" sz="2400" b="1" dirty="0">
-                <a:solidFill>
-                  <a:schemeClr val="accent4">
-                    <a:lumMod val="75000"/>
-                  </a:schemeClr>
-                </a:solidFill>
-              </a:rPr>
-              <a:t>CARDINALITES : </a:t>
-            </a:r>
-            <a:r>
-              <a:rPr lang="fr-BE" sz="2000" b="1" dirty="0">
-                <a:solidFill>
-                  <a:schemeClr val="accent4">
-                    <a:lumMod val="75000"/>
-                  </a:schemeClr>
-                </a:solidFill>
-              </a:rPr>
-              <a:t>Traduisent de règles sur la nature des association, expriment donc des contraintes sur le modèle.</a:t>
-            </a:r>
-          </a:p>
-        </p:txBody>
-      </p:sp>
-      <p:sp>
-        <p:nvSpPr>
-          <p:cNvPr id="2" name="Organigramme : Connecteur 1">
-            <a:extLst>
-              <a:ext uri="{FF2B5EF4-FFF2-40B4-BE49-F238E27FC236}">
-                <a16:creationId xmlns:a16="http://schemas.microsoft.com/office/drawing/2014/main" id="{333CEE38-E593-40ED-A3DC-266352D43067}"/>
+          <p:cNvPr id="11" name="Rectangle 10">
+            <a:extLst>
+              <a:ext uri="{FF2B5EF4-FFF2-40B4-BE49-F238E27FC236}">
+                <a16:creationId xmlns:a16="http://schemas.microsoft.com/office/drawing/2014/main" id="{EAC62BBA-3C87-44C7-86C5-2613F3EBBD27}"/>
               </a:ext>
             </a:extLst>
           </p:cNvPr>
@@ -4355,18 +4527,16 @@
         </p:nvSpPr>
         <p:spPr>
           <a:xfrm>
-            <a:off x="3411415" y="2760785"/>
-            <a:ext cx="401797" cy="378069"/>
-          </a:xfrm>
-          <a:prstGeom prst="flowChartConnector">
+            <a:off x="4115998" y="2325564"/>
+            <a:ext cx="2144125" cy="2407627"/>
+          </a:xfrm>
+          <a:prstGeom prst="rect">
             <a:avLst/>
           </a:prstGeom>
           <a:noFill/>
           <a:ln w="38100">
             <a:solidFill>
-              <a:schemeClr val="accent4">
-                <a:lumMod val="75000"/>
-              </a:schemeClr>
+              <a:schemeClr val="accent6"/>
             </a:solidFill>
           </a:ln>
         </p:spPr>
@@ -4397,10 +4567,10 @@
       </p:sp>
       <p:sp>
         <p:nvSpPr>
-          <p:cNvPr id="9" name="Organigramme : Connecteur 8">
-            <a:extLst>
-              <a:ext uri="{FF2B5EF4-FFF2-40B4-BE49-F238E27FC236}">
-                <a16:creationId xmlns:a16="http://schemas.microsoft.com/office/drawing/2014/main" id="{FB004D52-84C5-46DA-B86E-4E0BFC0D81D5}"/>
+          <p:cNvPr id="12" name="Rectangle 11">
+            <a:extLst>
+              <a:ext uri="{FF2B5EF4-FFF2-40B4-BE49-F238E27FC236}">
+                <a16:creationId xmlns:a16="http://schemas.microsoft.com/office/drawing/2014/main" id="{3F8C179A-6194-481E-A4AF-BFFD7829559E}"/>
               </a:ext>
             </a:extLst>
           </p:cNvPr>
@@ -4409,18 +4579,16 @@
         </p:nvSpPr>
         <p:spPr>
           <a:xfrm>
-            <a:off x="1814145" y="4029807"/>
-            <a:ext cx="401797" cy="378069"/>
-          </a:xfrm>
-          <a:prstGeom prst="flowChartConnector">
+            <a:off x="9164514" y="2316772"/>
+            <a:ext cx="2081895" cy="1718896"/>
+          </a:xfrm>
+          <a:prstGeom prst="rect">
             <a:avLst/>
           </a:prstGeom>
           <a:noFill/>
           <a:ln w="38100">
             <a:solidFill>
-              <a:schemeClr val="accent4">
-                <a:lumMod val="75000"/>
-              </a:schemeClr>
+              <a:schemeClr val="accent6"/>
             </a:solidFill>
           </a:ln>
         </p:spPr>
@@ -4451,10 +4619,10 @@
       </p:sp>
       <p:sp>
         <p:nvSpPr>
-          <p:cNvPr id="11" name="Organigramme : Connecteur 10">
-            <a:extLst>
-              <a:ext uri="{FF2B5EF4-FFF2-40B4-BE49-F238E27FC236}">
-                <a16:creationId xmlns:a16="http://schemas.microsoft.com/office/drawing/2014/main" id="{FB90A329-8EBE-456C-B63C-DB7F5EBA2C3C}"/>
+          <p:cNvPr id="13" name="Rectangle 12">
+            <a:extLst>
+              <a:ext uri="{FF2B5EF4-FFF2-40B4-BE49-F238E27FC236}">
+                <a16:creationId xmlns:a16="http://schemas.microsoft.com/office/drawing/2014/main" id="{3FAB06CC-0A60-466B-BC4D-A6FC52DD9820}"/>
               </a:ext>
             </a:extLst>
           </p:cNvPr>
@@ -4463,18 +4631,16 @@
         </p:nvSpPr>
         <p:spPr>
           <a:xfrm>
-            <a:off x="6456484" y="5146430"/>
-            <a:ext cx="401797" cy="378069"/>
-          </a:xfrm>
-          <a:prstGeom prst="flowChartConnector">
+            <a:off x="967157" y="4768359"/>
+            <a:ext cx="2081894" cy="1345223"/>
+          </a:xfrm>
+          <a:prstGeom prst="rect">
             <a:avLst/>
           </a:prstGeom>
           <a:noFill/>
           <a:ln w="38100">
             <a:solidFill>
-              <a:schemeClr val="accent4">
-                <a:lumMod val="75000"/>
-              </a:schemeClr>
+              <a:schemeClr val="accent6"/>
             </a:solidFill>
           </a:ln>
         </p:spPr>
@@ -4505,10 +4671,10 @@
       </p:sp>
       <p:sp>
         <p:nvSpPr>
-          <p:cNvPr id="12" name="Organigramme : Connecteur 11">
-            <a:extLst>
-              <a:ext uri="{FF2B5EF4-FFF2-40B4-BE49-F238E27FC236}">
-                <a16:creationId xmlns:a16="http://schemas.microsoft.com/office/drawing/2014/main" id="{6AB2A564-043E-4BD9-824B-C7B6DE96DD22}"/>
+          <p:cNvPr id="14" name="Rectangle 13">
+            <a:extLst>
+              <a:ext uri="{FF2B5EF4-FFF2-40B4-BE49-F238E27FC236}">
+                <a16:creationId xmlns:a16="http://schemas.microsoft.com/office/drawing/2014/main" id="{585EF0B9-BC56-427D-8F75-32F9B4A24D8A}"/>
               </a:ext>
             </a:extLst>
           </p:cNvPr>
@@ -4517,18 +4683,16 @@
         </p:nvSpPr>
         <p:spPr>
           <a:xfrm>
-            <a:off x="3250117" y="5146430"/>
-            <a:ext cx="401797" cy="378069"/>
-          </a:xfrm>
-          <a:prstGeom prst="flowChartConnector">
+            <a:off x="7212940" y="4785943"/>
+            <a:ext cx="2081894" cy="1263162"/>
+          </a:xfrm>
+          <a:prstGeom prst="rect">
             <a:avLst/>
           </a:prstGeom>
           <a:noFill/>
           <a:ln w="38100">
             <a:solidFill>
-              <a:schemeClr val="accent4">
-                <a:lumMod val="75000"/>
-              </a:schemeClr>
+              <a:schemeClr val="accent6"/>
             </a:solidFill>
           </a:ln>
         </p:spPr>
@@ -4557,118 +4721,10 @@
           </a:p>
         </p:txBody>
       </p:sp>
-      <p:sp>
-        <p:nvSpPr>
-          <p:cNvPr id="13" name="Organigramme : Connecteur 12">
-            <a:extLst>
-              <a:ext uri="{FF2B5EF4-FFF2-40B4-BE49-F238E27FC236}">
-                <a16:creationId xmlns:a16="http://schemas.microsoft.com/office/drawing/2014/main" id="{DF9C4633-1899-4247-8541-53FA69CC8C50}"/>
-              </a:ext>
-            </a:extLst>
-          </p:cNvPr>
-          <p:cNvSpPr/>
-          <p:nvPr/>
-        </p:nvSpPr>
-        <p:spPr>
-          <a:xfrm>
-            <a:off x="6217766" y="2842847"/>
-            <a:ext cx="401797" cy="378069"/>
-          </a:xfrm>
-          <a:prstGeom prst="flowChartConnector">
-            <a:avLst/>
-          </a:prstGeom>
-          <a:noFill/>
-          <a:ln w="38100">
-            <a:solidFill>
-              <a:schemeClr val="accent4">
-                <a:lumMod val="75000"/>
-              </a:schemeClr>
-            </a:solidFill>
-          </a:ln>
-        </p:spPr>
-        <p:style>
-          <a:lnRef idx="2">
-            <a:schemeClr val="accent1">
-              <a:shade val="50000"/>
-            </a:schemeClr>
-          </a:lnRef>
-          <a:fillRef idx="1">
-            <a:schemeClr val="accent1"/>
-          </a:fillRef>
-          <a:effectRef idx="0">
-            <a:schemeClr val="accent1"/>
-          </a:effectRef>
-          <a:fontRef idx="minor">
-            <a:schemeClr val="lt1"/>
-          </a:fontRef>
-        </p:style>
-        <p:txBody>
-          <a:bodyPr rtlCol="0" anchor="ctr"/>
-          <a:lstStyle/>
-          <a:p>
-            <a:pPr algn="ctr"/>
-            <a:endParaRPr lang="fr-BE"/>
-          </a:p>
-        </p:txBody>
-      </p:sp>
-      <p:sp>
-        <p:nvSpPr>
-          <p:cNvPr id="14" name="Organigramme : Connecteur 13">
-            <a:extLst>
-              <a:ext uri="{FF2B5EF4-FFF2-40B4-BE49-F238E27FC236}">
-                <a16:creationId xmlns:a16="http://schemas.microsoft.com/office/drawing/2014/main" id="{7AEF7774-F3F4-4C34-B3C7-74910E127809}"/>
-              </a:ext>
-            </a:extLst>
-          </p:cNvPr>
-          <p:cNvSpPr/>
-          <p:nvPr/>
-        </p:nvSpPr>
-        <p:spPr>
-          <a:xfrm>
-            <a:off x="8781836" y="2734408"/>
-            <a:ext cx="401797" cy="378069"/>
-          </a:xfrm>
-          <a:prstGeom prst="flowChartConnector">
-            <a:avLst/>
-          </a:prstGeom>
-          <a:noFill/>
-          <a:ln w="38100">
-            <a:solidFill>
-              <a:schemeClr val="accent4">
-                <a:lumMod val="75000"/>
-              </a:schemeClr>
-            </a:solidFill>
-          </a:ln>
-        </p:spPr>
-        <p:style>
-          <a:lnRef idx="2">
-            <a:schemeClr val="accent1">
-              <a:shade val="50000"/>
-            </a:schemeClr>
-          </a:lnRef>
-          <a:fillRef idx="1">
-            <a:schemeClr val="accent1"/>
-          </a:fillRef>
-          <a:effectRef idx="0">
-            <a:schemeClr val="accent1"/>
-          </a:effectRef>
-          <a:fontRef idx="minor">
-            <a:schemeClr val="lt1"/>
-          </a:fontRef>
-        </p:style>
-        <p:txBody>
-          <a:bodyPr rtlCol="0" anchor="ctr"/>
-          <a:lstStyle/>
-          <a:p>
-            <a:pPr algn="ctr"/>
-            <a:endParaRPr lang="fr-BE"/>
-          </a:p>
-        </p:txBody>
-      </p:sp>
     </p:spTree>
     <p:extLst>
       <p:ext uri="{BB962C8B-B14F-4D97-AF65-F5344CB8AC3E}">
-        <p14:creationId xmlns:p14="http://schemas.microsoft.com/office/powerpoint/2010/main" val="571592222"/>
+        <p14:creationId xmlns:p14="http://schemas.microsoft.com/office/powerpoint/2010/main" val="1345903459"/>
       </p:ext>
     </p:extLst>
   </p:cSld>
@@ -4784,7 +4840,7 @@
         <p:spPr>
           <a:xfrm>
             <a:off x="928005" y="1294632"/>
-            <a:ext cx="9446918" cy="769441"/>
+            <a:ext cx="8980926" cy="461665"/>
           </a:xfrm>
           <a:prstGeom prst="rect">
             <a:avLst/>
@@ -4800,32 +4856,28 @@
             <a:r>
               <a:rPr lang="fr-BE" sz="2400" b="1" dirty="0">
                 <a:solidFill>
-                  <a:schemeClr val="accent4">
-                    <a:lumMod val="75000"/>
-                  </a:schemeClr>
+                  <a:schemeClr val="accent1"/>
                 </a:solidFill>
               </a:rPr>
-              <a:t>CARDINALITES : </a:t>
+              <a:t>ASSOCIATIONS : </a:t>
             </a:r>
             <a:r>
               <a:rPr lang="fr-BE" sz="2000" b="1" dirty="0">
                 <a:solidFill>
-                  <a:schemeClr val="accent4">
-                    <a:lumMod val="75000"/>
-                  </a:schemeClr>
+                  <a:schemeClr val="accent1"/>
                 </a:solidFill>
               </a:rPr>
-              <a:t>Traduisent de règles sur la nature des association, expriment donc des contraintes sur le modèle.</a:t>
-            </a:r>
-          </a:p>
-        </p:txBody>
-      </p:sp>
-      <p:sp>
-        <p:nvSpPr>
-          <p:cNvPr id="2" name="Organigramme : Connecteur 1">
-            <a:extLst>
-              <a:ext uri="{FF2B5EF4-FFF2-40B4-BE49-F238E27FC236}">
-                <a16:creationId xmlns:a16="http://schemas.microsoft.com/office/drawing/2014/main" id="{333CEE38-E593-40ED-A3DC-266352D43067}"/>
+              <a:t>Représentent les liens/relations entre les différentes entités.</a:t>
+            </a:r>
+          </a:p>
+        </p:txBody>
+      </p:sp>
+      <p:sp>
+        <p:nvSpPr>
+          <p:cNvPr id="16" name="Rectangle : coins arrondis 15">
+            <a:extLst>
+              <a:ext uri="{FF2B5EF4-FFF2-40B4-BE49-F238E27FC236}">
+                <a16:creationId xmlns:a16="http://schemas.microsoft.com/office/drawing/2014/main" id="{61D347CF-D7FE-43D0-8817-2A6063B71481}"/>
               </a:ext>
             </a:extLst>
           </p:cNvPr>
@@ -4834,18 +4886,16 @@
         </p:nvSpPr>
         <p:spPr>
           <a:xfrm>
-            <a:off x="3411415" y="2760785"/>
-            <a:ext cx="401797" cy="378069"/>
-          </a:xfrm>
-          <a:prstGeom prst="flowChartConnector">
+            <a:off x="892837" y="2699239"/>
+            <a:ext cx="2184472" cy="993530"/>
+          </a:xfrm>
+          <a:prstGeom prst="roundRect">
             <a:avLst/>
           </a:prstGeom>
           <a:noFill/>
           <a:ln w="38100">
             <a:solidFill>
-              <a:schemeClr val="accent4">
-                <a:lumMod val="75000"/>
-              </a:schemeClr>
+              <a:schemeClr val="accent1"/>
             </a:solidFill>
           </a:ln>
         </p:spPr>
@@ -4876,10 +4926,10 @@
       </p:sp>
       <p:sp>
         <p:nvSpPr>
-          <p:cNvPr id="9" name="Organigramme : Connecteur 8">
-            <a:extLst>
-              <a:ext uri="{FF2B5EF4-FFF2-40B4-BE49-F238E27FC236}">
-                <a16:creationId xmlns:a16="http://schemas.microsoft.com/office/drawing/2014/main" id="{FB004D52-84C5-46DA-B86E-4E0BFC0D81D5}"/>
+          <p:cNvPr id="17" name="Rectangle : coins arrondis 16">
+            <a:extLst>
+              <a:ext uri="{FF2B5EF4-FFF2-40B4-BE49-F238E27FC236}">
+                <a16:creationId xmlns:a16="http://schemas.microsoft.com/office/drawing/2014/main" id="{9FA69257-799B-48CE-8143-F89935FA0D1A}"/>
               </a:ext>
             </a:extLst>
           </p:cNvPr>
@@ -4888,18 +4938,16 @@
         </p:nvSpPr>
         <p:spPr>
           <a:xfrm>
-            <a:off x="1814145" y="4029807"/>
-            <a:ext cx="401797" cy="378069"/>
-          </a:xfrm>
-          <a:prstGeom prst="flowChartConnector">
+            <a:off x="3886482" y="5066603"/>
+            <a:ext cx="2184472" cy="993530"/>
+          </a:xfrm>
+          <a:prstGeom prst="roundRect">
             <a:avLst/>
           </a:prstGeom>
           <a:noFill/>
           <a:ln w="38100">
             <a:solidFill>
-              <a:schemeClr val="accent4">
-                <a:lumMod val="75000"/>
-              </a:schemeClr>
+              <a:schemeClr val="accent1"/>
             </a:solidFill>
           </a:ln>
         </p:spPr>
@@ -4930,10 +4978,10 @@
       </p:sp>
       <p:sp>
         <p:nvSpPr>
-          <p:cNvPr id="11" name="Organigramme : Connecteur 10">
-            <a:extLst>
-              <a:ext uri="{FF2B5EF4-FFF2-40B4-BE49-F238E27FC236}">
-                <a16:creationId xmlns:a16="http://schemas.microsoft.com/office/drawing/2014/main" id="{FB90A329-8EBE-456C-B63C-DB7F5EBA2C3C}"/>
+          <p:cNvPr id="18" name="Rectangle : coins arrondis 17">
+            <a:extLst>
+              <a:ext uri="{FF2B5EF4-FFF2-40B4-BE49-F238E27FC236}">
+                <a16:creationId xmlns:a16="http://schemas.microsoft.com/office/drawing/2014/main" id="{528CCFB5-E1F9-4CCA-96F1-4721CC137865}"/>
               </a:ext>
             </a:extLst>
           </p:cNvPr>
@@ -4942,18 +4990,16 @@
         </p:nvSpPr>
         <p:spPr>
           <a:xfrm>
-            <a:off x="6456484" y="5146430"/>
-            <a:ext cx="401797" cy="378069"/>
-          </a:xfrm>
-          <a:prstGeom prst="flowChartConnector">
+            <a:off x="6584390" y="2672863"/>
+            <a:ext cx="2184472" cy="993530"/>
+          </a:xfrm>
+          <a:prstGeom prst="roundRect">
             <a:avLst/>
           </a:prstGeom>
           <a:noFill/>
           <a:ln w="38100">
             <a:solidFill>
-              <a:schemeClr val="accent4">
-                <a:lumMod val="75000"/>
-              </a:schemeClr>
+              <a:schemeClr val="accent1"/>
             </a:solidFill>
           </a:ln>
         </p:spPr>
@@ -4982,172 +5028,10 @@
           </a:p>
         </p:txBody>
       </p:sp>
-      <p:sp>
-        <p:nvSpPr>
-          <p:cNvPr id="12" name="Organigramme : Connecteur 11">
-            <a:extLst>
-              <a:ext uri="{FF2B5EF4-FFF2-40B4-BE49-F238E27FC236}">
-                <a16:creationId xmlns:a16="http://schemas.microsoft.com/office/drawing/2014/main" id="{6AB2A564-043E-4BD9-824B-C7B6DE96DD22}"/>
-              </a:ext>
-            </a:extLst>
-          </p:cNvPr>
-          <p:cNvSpPr/>
-          <p:nvPr/>
-        </p:nvSpPr>
-        <p:spPr>
-          <a:xfrm>
-            <a:off x="3250117" y="5146430"/>
-            <a:ext cx="401797" cy="378069"/>
-          </a:xfrm>
-          <a:prstGeom prst="flowChartConnector">
-            <a:avLst/>
-          </a:prstGeom>
-          <a:noFill/>
-          <a:ln w="38100">
-            <a:solidFill>
-              <a:schemeClr val="accent4">
-                <a:lumMod val="75000"/>
-              </a:schemeClr>
-            </a:solidFill>
-          </a:ln>
-        </p:spPr>
-        <p:style>
-          <a:lnRef idx="2">
-            <a:schemeClr val="accent1">
-              <a:shade val="50000"/>
-            </a:schemeClr>
-          </a:lnRef>
-          <a:fillRef idx="1">
-            <a:schemeClr val="accent1"/>
-          </a:fillRef>
-          <a:effectRef idx="0">
-            <a:schemeClr val="accent1"/>
-          </a:effectRef>
-          <a:fontRef idx="minor">
-            <a:schemeClr val="lt1"/>
-          </a:fontRef>
-        </p:style>
-        <p:txBody>
-          <a:bodyPr rtlCol="0" anchor="ctr"/>
-          <a:lstStyle/>
-          <a:p>
-            <a:pPr algn="ctr"/>
-            <a:endParaRPr lang="fr-BE"/>
-          </a:p>
-        </p:txBody>
-      </p:sp>
-      <p:sp>
-        <p:nvSpPr>
-          <p:cNvPr id="13" name="Organigramme : Connecteur 12">
-            <a:extLst>
-              <a:ext uri="{FF2B5EF4-FFF2-40B4-BE49-F238E27FC236}">
-                <a16:creationId xmlns:a16="http://schemas.microsoft.com/office/drawing/2014/main" id="{DF9C4633-1899-4247-8541-53FA69CC8C50}"/>
-              </a:ext>
-            </a:extLst>
-          </p:cNvPr>
-          <p:cNvSpPr/>
-          <p:nvPr/>
-        </p:nvSpPr>
-        <p:spPr>
-          <a:xfrm>
-            <a:off x="6217766" y="2842847"/>
-            <a:ext cx="401797" cy="378069"/>
-          </a:xfrm>
-          <a:prstGeom prst="flowChartConnector">
-            <a:avLst/>
-          </a:prstGeom>
-          <a:noFill/>
-          <a:ln w="38100">
-            <a:solidFill>
-              <a:schemeClr val="accent4">
-                <a:lumMod val="75000"/>
-              </a:schemeClr>
-            </a:solidFill>
-          </a:ln>
-        </p:spPr>
-        <p:style>
-          <a:lnRef idx="2">
-            <a:schemeClr val="accent1">
-              <a:shade val="50000"/>
-            </a:schemeClr>
-          </a:lnRef>
-          <a:fillRef idx="1">
-            <a:schemeClr val="accent1"/>
-          </a:fillRef>
-          <a:effectRef idx="0">
-            <a:schemeClr val="accent1"/>
-          </a:effectRef>
-          <a:fontRef idx="minor">
-            <a:schemeClr val="lt1"/>
-          </a:fontRef>
-        </p:style>
-        <p:txBody>
-          <a:bodyPr rtlCol="0" anchor="ctr"/>
-          <a:lstStyle/>
-          <a:p>
-            <a:pPr algn="ctr"/>
-            <a:endParaRPr lang="fr-BE"/>
-          </a:p>
-        </p:txBody>
-      </p:sp>
-      <p:sp>
-        <p:nvSpPr>
-          <p:cNvPr id="14" name="Organigramme : Connecteur 13">
-            <a:extLst>
-              <a:ext uri="{FF2B5EF4-FFF2-40B4-BE49-F238E27FC236}">
-                <a16:creationId xmlns:a16="http://schemas.microsoft.com/office/drawing/2014/main" id="{7AEF7774-F3F4-4C34-B3C7-74910E127809}"/>
-              </a:ext>
-            </a:extLst>
-          </p:cNvPr>
-          <p:cNvSpPr/>
-          <p:nvPr/>
-        </p:nvSpPr>
-        <p:spPr>
-          <a:xfrm>
-            <a:off x="8781836" y="2734408"/>
-            <a:ext cx="401797" cy="378069"/>
-          </a:xfrm>
-          <a:prstGeom prst="flowChartConnector">
-            <a:avLst/>
-          </a:prstGeom>
-          <a:noFill/>
-          <a:ln w="38100">
-            <a:solidFill>
-              <a:schemeClr val="accent4">
-                <a:lumMod val="75000"/>
-              </a:schemeClr>
-            </a:solidFill>
-          </a:ln>
-        </p:spPr>
-        <p:style>
-          <a:lnRef idx="2">
-            <a:schemeClr val="accent1">
-              <a:shade val="50000"/>
-            </a:schemeClr>
-          </a:lnRef>
-          <a:fillRef idx="1">
-            <a:schemeClr val="accent1"/>
-          </a:fillRef>
-          <a:effectRef idx="0">
-            <a:schemeClr val="accent1"/>
-          </a:effectRef>
-          <a:fontRef idx="minor">
-            <a:schemeClr val="lt1"/>
-          </a:fontRef>
-        </p:style>
-        <p:txBody>
-          <a:bodyPr rtlCol="0" anchor="ctr"/>
-          <a:lstStyle/>
-          <a:p>
-            <a:pPr algn="ctr"/>
-            <a:endParaRPr lang="fr-BE"/>
-          </a:p>
-        </p:txBody>
-      </p:sp>
     </p:spTree>
     <p:extLst>
       <p:ext uri="{BB962C8B-B14F-4D97-AF65-F5344CB8AC3E}">
-        <p14:creationId xmlns:p14="http://schemas.microsoft.com/office/powerpoint/2010/main" val="3500315167"/>
+        <p14:creationId xmlns:p14="http://schemas.microsoft.com/office/powerpoint/2010/main" val="1264940596"/>
       </p:ext>
     </p:extLst>
   </p:cSld>
@@ -5174,12 +5058,56 @@
           <a:chExt cx="0" cy="0"/>
         </a:xfrm>
       </p:grpSpPr>
+      <p:sp>
+        <p:nvSpPr>
+          <p:cNvPr id="8" name="ZoneTexte 7">
+            <a:extLst>
+              <a:ext uri="{FF2B5EF4-FFF2-40B4-BE49-F238E27FC236}">
+                <a16:creationId xmlns:a16="http://schemas.microsoft.com/office/drawing/2014/main" id="{9B4B4052-322E-4E52-8C33-FCBFEB05B3E9}"/>
+              </a:ext>
+            </a:extLst>
+          </p:cNvPr>
+          <p:cNvSpPr txBox="1"/>
+          <p:nvPr/>
+        </p:nvSpPr>
+        <p:spPr>
+          <a:xfrm>
+            <a:off x="3901135" y="604436"/>
+            <a:ext cx="4389728" cy="461665"/>
+          </a:xfrm>
+          <a:prstGeom prst="rect">
+            <a:avLst/>
+          </a:prstGeom>
+          <a:noFill/>
+        </p:spPr>
+        <p:txBody>
+          <a:bodyPr wrap="none" rtlCol="0">
+            <a:spAutoFit/>
+          </a:bodyPr>
+          <a:lstStyle/>
+          <a:p>
+            <a:pPr algn="ctr"/>
+            <a:r>
+              <a:rPr lang="fr-BE" sz="2400" b="1" dirty="0">
+                <a:effectLst>
+                  <a:outerShdw blurRad="38100" dist="38100" dir="2700000" algn="tl">
+                    <a:srgbClr val="000000">
+                      <a:alpha val="43137"/>
+                    </a:srgbClr>
+                  </a:outerShdw>
+                </a:effectLst>
+              </a:rPr>
+              <a:t>Modèle Conceptuel des Données</a:t>
+            </a:r>
+          </a:p>
+        </p:txBody>
+      </p:sp>
       <p:pic>
         <p:nvPicPr>
-          <p:cNvPr id="5" name="Image 4">
-            <a:extLst>
-              <a:ext uri="{FF2B5EF4-FFF2-40B4-BE49-F238E27FC236}">
-                <a16:creationId xmlns:a16="http://schemas.microsoft.com/office/drawing/2014/main" id="{BD34885D-8C9B-46CB-B26A-75F3759B17B1}"/>
+          <p:cNvPr id="10" name="Image 9">
+            <a:extLst>
+              <a:ext uri="{FF2B5EF4-FFF2-40B4-BE49-F238E27FC236}">
+                <a16:creationId xmlns:a16="http://schemas.microsoft.com/office/drawing/2014/main" id="{1C49BF98-1654-4BF2-AC4E-CAF8B56033CE}"/>
               </a:ext>
             </a:extLst>
           </p:cNvPr>
@@ -5196,8 +5124,8 @@
         </p:blipFill>
         <p:spPr>
           <a:xfrm>
-            <a:off x="2085533" y="2024996"/>
-            <a:ext cx="8020934" cy="4383024"/>
+            <a:off x="847345" y="2281604"/>
+            <a:ext cx="10411520" cy="3971960"/>
           </a:xfrm>
           <a:prstGeom prst="rect">
             <a:avLst/>
@@ -5206,10 +5134,10 @@
       </p:pic>
       <p:sp>
         <p:nvSpPr>
-          <p:cNvPr id="6" name="ZoneTexte 5">
-            <a:extLst>
-              <a:ext uri="{FF2B5EF4-FFF2-40B4-BE49-F238E27FC236}">
-                <a16:creationId xmlns:a16="http://schemas.microsoft.com/office/drawing/2014/main" id="{2B407D3C-3CE9-4D7C-863B-4151B21D2533}"/>
+          <p:cNvPr id="15" name="ZoneTexte 14">
+            <a:extLst>
+              <a:ext uri="{FF2B5EF4-FFF2-40B4-BE49-F238E27FC236}">
+                <a16:creationId xmlns:a16="http://schemas.microsoft.com/office/drawing/2014/main" id="{1C5E8085-7DC0-4F4B-83CF-9F3410477608}"/>
               </a:ext>
             </a:extLst>
           </p:cNvPr>
@@ -5218,8 +5146,8 @@
         </p:nvSpPr>
         <p:spPr>
           <a:xfrm>
-            <a:off x="3901135" y="604436"/>
-            <a:ext cx="4006866" cy="461665"/>
+            <a:off x="928005" y="1294632"/>
+            <a:ext cx="9446918" cy="769441"/>
           </a:xfrm>
           <a:prstGeom prst="rect">
             <a:avLst/>
@@ -5227,32 +5155,40 @@
           <a:noFill/>
         </p:spPr>
         <p:txBody>
-          <a:bodyPr wrap="none" rtlCol="0">
+          <a:bodyPr wrap="square" rtlCol="0">
             <a:spAutoFit/>
           </a:bodyPr>
           <a:lstStyle/>
           <a:p>
             <a:r>
               <a:rPr lang="fr-BE" sz="2400" b="1" dirty="0">
-                <a:effectLst>
-                  <a:outerShdw blurRad="38100" dist="38100" dir="2700000" algn="tl">
-                    <a:srgbClr val="000000">
-                      <a:alpha val="43137"/>
-                    </a:srgbClr>
-                  </a:outerShdw>
-                </a:effectLst>
+                <a:solidFill>
+                  <a:schemeClr val="accent4">
+                    <a:lumMod val="75000"/>
+                  </a:schemeClr>
+                </a:solidFill>
               </a:rPr>
-              <a:t>Modèle Relation des Données</a:t>
-            </a:r>
-          </a:p>
-        </p:txBody>
-      </p:sp>
-      <p:sp>
-        <p:nvSpPr>
-          <p:cNvPr id="8" name="Rectangle 7">
-            <a:extLst>
-              <a:ext uri="{FF2B5EF4-FFF2-40B4-BE49-F238E27FC236}">
-                <a16:creationId xmlns:a16="http://schemas.microsoft.com/office/drawing/2014/main" id="{C5BC6C47-6BA1-4388-8D57-067A83F12BDD}"/>
+              <a:t>CARDINALITES : </a:t>
+            </a:r>
+            <a:r>
+              <a:rPr lang="fr-BE" sz="2000" b="1" dirty="0">
+                <a:solidFill>
+                  <a:schemeClr val="accent4">
+                    <a:lumMod val="75000"/>
+                  </a:schemeClr>
+                </a:solidFill>
+              </a:rPr>
+              <a:t>Traduisent de règles sur la nature des association, expriment donc des contraintes sur le modèle.</a:t>
+            </a:r>
+          </a:p>
+        </p:txBody>
+      </p:sp>
+      <p:sp>
+        <p:nvSpPr>
+          <p:cNvPr id="2" name="Organigramme : Connecteur 1">
+            <a:extLst>
+              <a:ext uri="{FF2B5EF4-FFF2-40B4-BE49-F238E27FC236}">
+                <a16:creationId xmlns:a16="http://schemas.microsoft.com/office/drawing/2014/main" id="{333CEE38-E593-40ED-A3DC-266352D43067}"/>
               </a:ext>
             </a:extLst>
           </p:cNvPr>
@@ -5261,16 +5197,18 @@
         </p:nvSpPr>
         <p:spPr>
           <a:xfrm>
-            <a:off x="5196255" y="2092566"/>
-            <a:ext cx="2198077" cy="1685355"/>
-          </a:xfrm>
-          <a:prstGeom prst="rect">
+            <a:off x="3411415" y="2760785"/>
+            <a:ext cx="401797" cy="378069"/>
+          </a:xfrm>
+          <a:prstGeom prst="flowChartConnector">
             <a:avLst/>
           </a:prstGeom>
           <a:noFill/>
           <a:ln w="38100">
             <a:solidFill>
-              <a:srgbClr val="7030A0"/>
+              <a:schemeClr val="accent4">
+                <a:lumMod val="75000"/>
+              </a:schemeClr>
             </a:solidFill>
           </a:ln>
         </p:spPr>
@@ -5301,6 +5239,431 @@
       </p:sp>
       <p:sp>
         <p:nvSpPr>
+          <p:cNvPr id="9" name="Organigramme : Connecteur 8">
+            <a:extLst>
+              <a:ext uri="{FF2B5EF4-FFF2-40B4-BE49-F238E27FC236}">
+                <a16:creationId xmlns:a16="http://schemas.microsoft.com/office/drawing/2014/main" id="{FB004D52-84C5-46DA-B86E-4E0BFC0D81D5}"/>
+              </a:ext>
+            </a:extLst>
+          </p:cNvPr>
+          <p:cNvSpPr/>
+          <p:nvPr/>
+        </p:nvSpPr>
+        <p:spPr>
+          <a:xfrm>
+            <a:off x="1814145" y="4029807"/>
+            <a:ext cx="401797" cy="378069"/>
+          </a:xfrm>
+          <a:prstGeom prst="flowChartConnector">
+            <a:avLst/>
+          </a:prstGeom>
+          <a:noFill/>
+          <a:ln w="38100">
+            <a:solidFill>
+              <a:schemeClr val="accent4">
+                <a:lumMod val="75000"/>
+              </a:schemeClr>
+            </a:solidFill>
+          </a:ln>
+        </p:spPr>
+        <p:style>
+          <a:lnRef idx="2">
+            <a:schemeClr val="accent1">
+              <a:shade val="50000"/>
+            </a:schemeClr>
+          </a:lnRef>
+          <a:fillRef idx="1">
+            <a:schemeClr val="accent1"/>
+          </a:fillRef>
+          <a:effectRef idx="0">
+            <a:schemeClr val="accent1"/>
+          </a:effectRef>
+          <a:fontRef idx="minor">
+            <a:schemeClr val="lt1"/>
+          </a:fontRef>
+        </p:style>
+        <p:txBody>
+          <a:bodyPr rtlCol="0" anchor="ctr"/>
+          <a:lstStyle/>
+          <a:p>
+            <a:pPr algn="ctr"/>
+            <a:endParaRPr lang="fr-BE"/>
+          </a:p>
+        </p:txBody>
+      </p:sp>
+      <p:sp>
+        <p:nvSpPr>
+          <p:cNvPr id="11" name="Organigramme : Connecteur 10">
+            <a:extLst>
+              <a:ext uri="{FF2B5EF4-FFF2-40B4-BE49-F238E27FC236}">
+                <a16:creationId xmlns:a16="http://schemas.microsoft.com/office/drawing/2014/main" id="{FB90A329-8EBE-456C-B63C-DB7F5EBA2C3C}"/>
+              </a:ext>
+            </a:extLst>
+          </p:cNvPr>
+          <p:cNvSpPr/>
+          <p:nvPr/>
+        </p:nvSpPr>
+        <p:spPr>
+          <a:xfrm>
+            <a:off x="6456484" y="5146430"/>
+            <a:ext cx="401797" cy="378069"/>
+          </a:xfrm>
+          <a:prstGeom prst="flowChartConnector">
+            <a:avLst/>
+          </a:prstGeom>
+          <a:noFill/>
+          <a:ln w="38100">
+            <a:solidFill>
+              <a:schemeClr val="accent4">
+                <a:lumMod val="75000"/>
+              </a:schemeClr>
+            </a:solidFill>
+          </a:ln>
+        </p:spPr>
+        <p:style>
+          <a:lnRef idx="2">
+            <a:schemeClr val="accent1">
+              <a:shade val="50000"/>
+            </a:schemeClr>
+          </a:lnRef>
+          <a:fillRef idx="1">
+            <a:schemeClr val="accent1"/>
+          </a:fillRef>
+          <a:effectRef idx="0">
+            <a:schemeClr val="accent1"/>
+          </a:effectRef>
+          <a:fontRef idx="minor">
+            <a:schemeClr val="lt1"/>
+          </a:fontRef>
+        </p:style>
+        <p:txBody>
+          <a:bodyPr rtlCol="0" anchor="ctr"/>
+          <a:lstStyle/>
+          <a:p>
+            <a:pPr algn="ctr"/>
+            <a:endParaRPr lang="fr-BE"/>
+          </a:p>
+        </p:txBody>
+      </p:sp>
+      <p:sp>
+        <p:nvSpPr>
+          <p:cNvPr id="12" name="Organigramme : Connecteur 11">
+            <a:extLst>
+              <a:ext uri="{FF2B5EF4-FFF2-40B4-BE49-F238E27FC236}">
+                <a16:creationId xmlns:a16="http://schemas.microsoft.com/office/drawing/2014/main" id="{6AB2A564-043E-4BD9-824B-C7B6DE96DD22}"/>
+              </a:ext>
+            </a:extLst>
+          </p:cNvPr>
+          <p:cNvSpPr/>
+          <p:nvPr/>
+        </p:nvSpPr>
+        <p:spPr>
+          <a:xfrm>
+            <a:off x="3250117" y="5146430"/>
+            <a:ext cx="401797" cy="378069"/>
+          </a:xfrm>
+          <a:prstGeom prst="flowChartConnector">
+            <a:avLst/>
+          </a:prstGeom>
+          <a:noFill/>
+          <a:ln w="38100">
+            <a:solidFill>
+              <a:schemeClr val="accent4">
+                <a:lumMod val="75000"/>
+              </a:schemeClr>
+            </a:solidFill>
+          </a:ln>
+        </p:spPr>
+        <p:style>
+          <a:lnRef idx="2">
+            <a:schemeClr val="accent1">
+              <a:shade val="50000"/>
+            </a:schemeClr>
+          </a:lnRef>
+          <a:fillRef idx="1">
+            <a:schemeClr val="accent1"/>
+          </a:fillRef>
+          <a:effectRef idx="0">
+            <a:schemeClr val="accent1"/>
+          </a:effectRef>
+          <a:fontRef idx="minor">
+            <a:schemeClr val="lt1"/>
+          </a:fontRef>
+        </p:style>
+        <p:txBody>
+          <a:bodyPr rtlCol="0" anchor="ctr"/>
+          <a:lstStyle/>
+          <a:p>
+            <a:pPr algn="ctr"/>
+            <a:endParaRPr lang="fr-BE"/>
+          </a:p>
+        </p:txBody>
+      </p:sp>
+      <p:sp>
+        <p:nvSpPr>
+          <p:cNvPr id="13" name="Organigramme : Connecteur 12">
+            <a:extLst>
+              <a:ext uri="{FF2B5EF4-FFF2-40B4-BE49-F238E27FC236}">
+                <a16:creationId xmlns:a16="http://schemas.microsoft.com/office/drawing/2014/main" id="{DF9C4633-1899-4247-8541-53FA69CC8C50}"/>
+              </a:ext>
+            </a:extLst>
+          </p:cNvPr>
+          <p:cNvSpPr/>
+          <p:nvPr/>
+        </p:nvSpPr>
+        <p:spPr>
+          <a:xfrm>
+            <a:off x="6217766" y="2842847"/>
+            <a:ext cx="401797" cy="378069"/>
+          </a:xfrm>
+          <a:prstGeom prst="flowChartConnector">
+            <a:avLst/>
+          </a:prstGeom>
+          <a:noFill/>
+          <a:ln w="38100">
+            <a:solidFill>
+              <a:schemeClr val="accent4">
+                <a:lumMod val="75000"/>
+              </a:schemeClr>
+            </a:solidFill>
+          </a:ln>
+        </p:spPr>
+        <p:style>
+          <a:lnRef idx="2">
+            <a:schemeClr val="accent1">
+              <a:shade val="50000"/>
+            </a:schemeClr>
+          </a:lnRef>
+          <a:fillRef idx="1">
+            <a:schemeClr val="accent1"/>
+          </a:fillRef>
+          <a:effectRef idx="0">
+            <a:schemeClr val="accent1"/>
+          </a:effectRef>
+          <a:fontRef idx="minor">
+            <a:schemeClr val="lt1"/>
+          </a:fontRef>
+        </p:style>
+        <p:txBody>
+          <a:bodyPr rtlCol="0" anchor="ctr"/>
+          <a:lstStyle/>
+          <a:p>
+            <a:pPr algn="ctr"/>
+            <a:endParaRPr lang="fr-BE"/>
+          </a:p>
+        </p:txBody>
+      </p:sp>
+      <p:sp>
+        <p:nvSpPr>
+          <p:cNvPr id="14" name="Organigramme : Connecteur 13">
+            <a:extLst>
+              <a:ext uri="{FF2B5EF4-FFF2-40B4-BE49-F238E27FC236}">
+                <a16:creationId xmlns:a16="http://schemas.microsoft.com/office/drawing/2014/main" id="{7AEF7774-F3F4-4C34-B3C7-74910E127809}"/>
+              </a:ext>
+            </a:extLst>
+          </p:cNvPr>
+          <p:cNvSpPr/>
+          <p:nvPr/>
+        </p:nvSpPr>
+        <p:spPr>
+          <a:xfrm>
+            <a:off x="8781836" y="2734408"/>
+            <a:ext cx="401797" cy="378069"/>
+          </a:xfrm>
+          <a:prstGeom prst="flowChartConnector">
+            <a:avLst/>
+          </a:prstGeom>
+          <a:noFill/>
+          <a:ln w="38100">
+            <a:solidFill>
+              <a:schemeClr val="accent4">
+                <a:lumMod val="75000"/>
+              </a:schemeClr>
+            </a:solidFill>
+          </a:ln>
+        </p:spPr>
+        <p:style>
+          <a:lnRef idx="2">
+            <a:schemeClr val="accent1">
+              <a:shade val="50000"/>
+            </a:schemeClr>
+          </a:lnRef>
+          <a:fillRef idx="1">
+            <a:schemeClr val="accent1"/>
+          </a:fillRef>
+          <a:effectRef idx="0">
+            <a:schemeClr val="accent1"/>
+          </a:effectRef>
+          <a:fontRef idx="minor">
+            <a:schemeClr val="lt1"/>
+          </a:fontRef>
+        </p:style>
+        <p:txBody>
+          <a:bodyPr rtlCol="0" anchor="ctr"/>
+          <a:lstStyle/>
+          <a:p>
+            <a:pPr algn="ctr"/>
+            <a:endParaRPr lang="fr-BE"/>
+          </a:p>
+        </p:txBody>
+      </p:sp>
+    </p:spTree>
+    <p:extLst>
+      <p:ext uri="{BB962C8B-B14F-4D97-AF65-F5344CB8AC3E}">
+        <p14:creationId xmlns:p14="http://schemas.microsoft.com/office/powerpoint/2010/main" val="3500315167"/>
+      </p:ext>
+    </p:extLst>
+  </p:cSld>
+  <p:clrMapOvr>
+    <a:masterClrMapping/>
+  </p:clrMapOvr>
+</p:sld>
+</file>
+
+<file path=ppt/slides/slide7.xml><?xml version="1.0" encoding="utf-8"?>
+<p:sld xmlns:a="http://schemas.openxmlformats.org/drawingml/2006/main" xmlns:r="http://schemas.openxmlformats.org/officeDocument/2006/relationships" xmlns:p="http://schemas.openxmlformats.org/presentationml/2006/main">
+  <p:cSld>
+    <p:spTree>
+      <p:nvGrpSpPr>
+        <p:cNvPr id="1" name=""/>
+        <p:cNvGrpSpPr/>
+        <p:nvPr/>
+      </p:nvGrpSpPr>
+      <p:grpSpPr>
+        <a:xfrm>
+          <a:off x="0" y="0"/>
+          <a:ext cx="0" cy="0"/>
+          <a:chOff x="0" y="0"/>
+          <a:chExt cx="0" cy="0"/>
+        </a:xfrm>
+      </p:grpSpPr>
+      <p:pic>
+        <p:nvPicPr>
+          <p:cNvPr id="5" name="Image 4">
+            <a:extLst>
+              <a:ext uri="{FF2B5EF4-FFF2-40B4-BE49-F238E27FC236}">
+                <a16:creationId xmlns:a16="http://schemas.microsoft.com/office/drawing/2014/main" id="{BD34885D-8C9B-46CB-B26A-75F3759B17B1}"/>
+              </a:ext>
+            </a:extLst>
+          </p:cNvPr>
+          <p:cNvPicPr>
+            <a:picLocks noChangeAspect="1"/>
+          </p:cNvPicPr>
+          <p:nvPr/>
+        </p:nvPicPr>
+        <p:blipFill>
+          <a:blip r:embed="rId2"/>
+          <a:stretch>
+            <a:fillRect/>
+          </a:stretch>
+        </p:blipFill>
+        <p:spPr>
+          <a:xfrm>
+            <a:off x="2085533" y="2024996"/>
+            <a:ext cx="8020934" cy="4383024"/>
+          </a:xfrm>
+          <a:prstGeom prst="rect">
+            <a:avLst/>
+          </a:prstGeom>
+        </p:spPr>
+      </p:pic>
+      <p:sp>
+        <p:nvSpPr>
+          <p:cNvPr id="6" name="ZoneTexte 5">
+            <a:extLst>
+              <a:ext uri="{FF2B5EF4-FFF2-40B4-BE49-F238E27FC236}">
+                <a16:creationId xmlns:a16="http://schemas.microsoft.com/office/drawing/2014/main" id="{2B407D3C-3CE9-4D7C-863B-4151B21D2533}"/>
+              </a:ext>
+            </a:extLst>
+          </p:cNvPr>
+          <p:cNvSpPr txBox="1"/>
+          <p:nvPr/>
+        </p:nvSpPr>
+        <p:spPr>
+          <a:xfrm>
+            <a:off x="3901135" y="604436"/>
+            <a:ext cx="4006866" cy="461665"/>
+          </a:xfrm>
+          <a:prstGeom prst="rect">
+            <a:avLst/>
+          </a:prstGeom>
+          <a:noFill/>
+        </p:spPr>
+        <p:txBody>
+          <a:bodyPr wrap="none" rtlCol="0">
+            <a:spAutoFit/>
+          </a:bodyPr>
+          <a:lstStyle/>
+          <a:p>
+            <a:r>
+              <a:rPr lang="fr-BE" sz="2400" b="1" dirty="0">
+                <a:effectLst>
+                  <a:outerShdw blurRad="38100" dist="38100" dir="2700000" algn="tl">
+                    <a:srgbClr val="000000">
+                      <a:alpha val="43137"/>
+                    </a:srgbClr>
+                  </a:outerShdw>
+                </a:effectLst>
+              </a:rPr>
+              <a:t>Modèle Relation des Données</a:t>
+            </a:r>
+          </a:p>
+        </p:txBody>
+      </p:sp>
+      <p:sp>
+        <p:nvSpPr>
+          <p:cNvPr id="8" name="Rectangle 7">
+            <a:extLst>
+              <a:ext uri="{FF2B5EF4-FFF2-40B4-BE49-F238E27FC236}">
+                <a16:creationId xmlns:a16="http://schemas.microsoft.com/office/drawing/2014/main" id="{C5BC6C47-6BA1-4388-8D57-067A83F12BDD}"/>
+              </a:ext>
+            </a:extLst>
+          </p:cNvPr>
+          <p:cNvSpPr/>
+          <p:nvPr/>
+        </p:nvSpPr>
+        <p:spPr>
+          <a:xfrm>
+            <a:off x="5196255" y="2092566"/>
+            <a:ext cx="2198077" cy="1685355"/>
+          </a:xfrm>
+          <a:prstGeom prst="rect">
+            <a:avLst/>
+          </a:prstGeom>
+          <a:noFill/>
+          <a:ln w="38100">
+            <a:solidFill>
+              <a:srgbClr val="7030A0"/>
+            </a:solidFill>
+          </a:ln>
+        </p:spPr>
+        <p:style>
+          <a:lnRef idx="2">
+            <a:schemeClr val="accent1">
+              <a:shade val="50000"/>
+            </a:schemeClr>
+          </a:lnRef>
+          <a:fillRef idx="1">
+            <a:schemeClr val="accent1"/>
+          </a:fillRef>
+          <a:effectRef idx="0">
+            <a:schemeClr val="accent1"/>
+          </a:effectRef>
+          <a:fontRef idx="minor">
+            <a:schemeClr val="lt1"/>
+          </a:fontRef>
+        </p:style>
+        <p:txBody>
+          <a:bodyPr rtlCol="0" anchor="ctr"/>
+          <a:lstStyle/>
+          <a:p>
+            <a:pPr algn="ctr"/>
+            <a:endParaRPr lang="fr-BE"/>
+          </a:p>
+        </p:txBody>
+      </p:sp>
+      <p:sp>
+        <p:nvSpPr>
           <p:cNvPr id="9" name="ZoneTexte 8">
             <a:extLst>
               <a:ext uri="{FF2B5EF4-FFF2-40B4-BE49-F238E27FC236}">
@@ -5374,7 +5737,7 @@
 </p:sld>
 </file>
 
-<file path=ppt/slides/slide7.xml><?xml version="1.0" encoding="utf-8"?>
+<file path=ppt/slides/slide8.xml><?xml version="1.0" encoding="utf-8"?>
 <p:sld xmlns:a="http://schemas.openxmlformats.org/drawingml/2006/main" xmlns:r="http://schemas.openxmlformats.org/officeDocument/2006/relationships" xmlns:p="http://schemas.openxmlformats.org/presentationml/2006/main">
   <p:cSld>
     <p:spTree>
@@ -6673,7 +7036,7 @@
                             </p:stCondLst>
                             <p:childTnLst>
                               <p:par>
-                                <p:cTn id="5" presetID="1" presetClass="entr" presetSubtype="0" fill="hold" grpId="0" nodeType="clickEffect">
+                                <p:cTn id="5" presetID="10" presetClass="entr" presetSubtype="0" fill="hold" grpId="0" nodeType="clickEffect">
                                   <p:stCondLst>
                                     <p:cond delay="0"/>
                                   </p:stCondLst>
@@ -6686,7 +7049,270 @@
                                           </p:stCondLst>
                                         </p:cTn>
                                         <p:tgtEl>
-                                          <p:spTgt spid="28"/>
+                                          <p:spTgt spid="27"/>
+                                        </p:tgtEl>
+                                        <p:attrNameLst>
+                                          <p:attrName>style.visibility</p:attrName>
+                                        </p:attrNameLst>
+                                      </p:cBhvr>
+                                      <p:to>
+                                        <p:strVal val="visible"/>
+                                      </p:to>
+                                    </p:set>
+                                    <p:animEffect transition="in" filter="fade">
+                                      <p:cBhvr>
+                                        <p:cTn id="7" dur="500"/>
+                                        <p:tgtEl>
+                                          <p:spTgt spid="27"/>
+                                        </p:tgtEl>
+                                      </p:cBhvr>
+                                    </p:animEffect>
+                                  </p:childTnLst>
+                                </p:cTn>
+                              </p:par>
+                              <p:par>
+                                <p:cTn id="8" presetID="10" presetClass="entr" presetSubtype="0" fill="hold" grpId="0" nodeType="withEffect">
+                                  <p:stCondLst>
+                                    <p:cond delay="0"/>
+                                  </p:stCondLst>
+                                  <p:childTnLst>
+                                    <p:set>
+                                      <p:cBhvr>
+                                        <p:cTn id="9" dur="1" fill="hold">
+                                          <p:stCondLst>
+                                            <p:cond delay="0"/>
+                                          </p:stCondLst>
+                                        </p:cTn>
+                                        <p:tgtEl>
+                                          <p:spTgt spid="15"/>
+                                        </p:tgtEl>
+                                        <p:attrNameLst>
+                                          <p:attrName>style.visibility</p:attrName>
+                                        </p:attrNameLst>
+                                      </p:cBhvr>
+                                      <p:to>
+                                        <p:strVal val="visible"/>
+                                      </p:to>
+                                    </p:set>
+                                    <p:animEffect transition="in" filter="fade">
+                                      <p:cBhvr>
+                                        <p:cTn id="10" dur="500"/>
+                                        <p:tgtEl>
+                                          <p:spTgt spid="15"/>
+                                        </p:tgtEl>
+                                      </p:cBhvr>
+                                    </p:animEffect>
+                                  </p:childTnLst>
+                                </p:cTn>
+                              </p:par>
+                              <p:par>
+                                <p:cTn id="11" presetID="10" presetClass="entr" presetSubtype="0" fill="hold" nodeType="withEffect">
+                                  <p:stCondLst>
+                                    <p:cond delay="0"/>
+                                  </p:stCondLst>
+                                  <p:childTnLst>
+                                    <p:set>
+                                      <p:cBhvr>
+                                        <p:cTn id="12" dur="1" fill="hold">
+                                          <p:stCondLst>
+                                            <p:cond delay="0"/>
+                                          </p:stCondLst>
+                                        </p:cTn>
+                                        <p:tgtEl>
+                                          <p:spTgt spid="13"/>
+                                        </p:tgtEl>
+                                        <p:attrNameLst>
+                                          <p:attrName>style.visibility</p:attrName>
+                                        </p:attrNameLst>
+                                      </p:cBhvr>
+                                      <p:to>
+                                        <p:strVal val="visible"/>
+                                      </p:to>
+                                    </p:set>
+                                    <p:animEffect transition="in" filter="fade">
+                                      <p:cBhvr>
+                                        <p:cTn id="13" dur="500"/>
+                                        <p:tgtEl>
+                                          <p:spTgt spid="13"/>
+                                        </p:tgtEl>
+                                      </p:cBhvr>
+                                    </p:animEffect>
+                                  </p:childTnLst>
+                                </p:cTn>
+                              </p:par>
+                              <p:par>
+                                <p:cTn id="14" presetID="10" presetClass="entr" presetSubtype="0" fill="hold" nodeType="withEffect">
+                                  <p:stCondLst>
+                                    <p:cond delay="0"/>
+                                  </p:stCondLst>
+                                  <p:childTnLst>
+                                    <p:set>
+                                      <p:cBhvr>
+                                        <p:cTn id="15" dur="1" fill="hold">
+                                          <p:stCondLst>
+                                            <p:cond delay="0"/>
+                                          </p:stCondLst>
+                                        </p:cTn>
+                                        <p:tgtEl>
+                                          <p:spTgt spid="16"/>
+                                        </p:tgtEl>
+                                        <p:attrNameLst>
+                                          <p:attrName>style.visibility</p:attrName>
+                                        </p:attrNameLst>
+                                      </p:cBhvr>
+                                      <p:to>
+                                        <p:strVal val="visible"/>
+                                      </p:to>
+                                    </p:set>
+                                    <p:animEffect transition="in" filter="fade">
+                                      <p:cBhvr>
+                                        <p:cTn id="16" dur="500"/>
+                                        <p:tgtEl>
+                                          <p:spTgt spid="16"/>
+                                        </p:tgtEl>
+                                      </p:cBhvr>
+                                    </p:animEffect>
+                                  </p:childTnLst>
+                                </p:cTn>
+                              </p:par>
+                              <p:par>
+                                <p:cTn id="17" presetID="10" presetClass="entr" presetSubtype="0" fill="hold" nodeType="withEffect">
+                                  <p:stCondLst>
+                                    <p:cond delay="0"/>
+                                  </p:stCondLst>
+                                  <p:childTnLst>
+                                    <p:set>
+                                      <p:cBhvr>
+                                        <p:cTn id="18" dur="1" fill="hold">
+                                          <p:stCondLst>
+                                            <p:cond delay="0"/>
+                                          </p:stCondLst>
+                                        </p:cTn>
+                                        <p:tgtEl>
+                                          <p:spTgt spid="17"/>
+                                        </p:tgtEl>
+                                        <p:attrNameLst>
+                                          <p:attrName>style.visibility</p:attrName>
+                                        </p:attrNameLst>
+                                      </p:cBhvr>
+                                      <p:to>
+                                        <p:strVal val="visible"/>
+                                      </p:to>
+                                    </p:set>
+                                    <p:animEffect transition="in" filter="fade">
+                                      <p:cBhvr>
+                                        <p:cTn id="19" dur="500"/>
+                                        <p:tgtEl>
+                                          <p:spTgt spid="17"/>
+                                        </p:tgtEl>
+                                      </p:cBhvr>
+                                    </p:animEffect>
+                                  </p:childTnLst>
+                                </p:cTn>
+                              </p:par>
+                              <p:par>
+                                <p:cTn id="20" presetID="10" presetClass="entr" presetSubtype="0" fill="hold" nodeType="withEffect">
+                                  <p:stCondLst>
+                                    <p:cond delay="0"/>
+                                  </p:stCondLst>
+                                  <p:childTnLst>
+                                    <p:set>
+                                      <p:cBhvr>
+                                        <p:cTn id="21" dur="1" fill="hold">
+                                          <p:stCondLst>
+                                            <p:cond delay="0"/>
+                                          </p:stCondLst>
+                                        </p:cTn>
+                                        <p:tgtEl>
+                                          <p:spTgt spid="18"/>
+                                        </p:tgtEl>
+                                        <p:attrNameLst>
+                                          <p:attrName>style.visibility</p:attrName>
+                                        </p:attrNameLst>
+                                      </p:cBhvr>
+                                      <p:to>
+                                        <p:strVal val="visible"/>
+                                      </p:to>
+                                    </p:set>
+                                    <p:animEffect transition="in" filter="fade">
+                                      <p:cBhvr>
+                                        <p:cTn id="22" dur="500"/>
+                                        <p:tgtEl>
+                                          <p:spTgt spid="18"/>
+                                        </p:tgtEl>
+                                      </p:cBhvr>
+                                    </p:animEffect>
+                                  </p:childTnLst>
+                                </p:cTn>
+                              </p:par>
+                              <p:par>
+                                <p:cTn id="23" presetID="10" presetClass="entr" presetSubtype="0" fill="hold" nodeType="withEffect">
+                                  <p:stCondLst>
+                                    <p:cond delay="0"/>
+                                  </p:stCondLst>
+                                  <p:childTnLst>
+                                    <p:set>
+                                      <p:cBhvr>
+                                        <p:cTn id="24" dur="1" fill="hold">
+                                          <p:stCondLst>
+                                            <p:cond delay="0"/>
+                                          </p:stCondLst>
+                                        </p:cTn>
+                                        <p:tgtEl>
+                                          <p:spTgt spid="11"/>
+                                        </p:tgtEl>
+                                        <p:attrNameLst>
+                                          <p:attrName>style.visibility</p:attrName>
+                                        </p:attrNameLst>
+                                      </p:cBhvr>
+                                      <p:to>
+                                        <p:strVal val="visible"/>
+                                      </p:to>
+                                    </p:set>
+                                    <p:animEffect transition="in" filter="fade">
+                                      <p:cBhvr>
+                                        <p:cTn id="25" dur="500"/>
+                                        <p:tgtEl>
+                                          <p:spTgt spid="11"/>
+                                        </p:tgtEl>
+                                      </p:cBhvr>
+                                    </p:animEffect>
+                                  </p:childTnLst>
+                                </p:cTn>
+                              </p:par>
+                            </p:childTnLst>
+                          </p:cTn>
+                        </p:par>
+                      </p:childTnLst>
+                    </p:cTn>
+                  </p:par>
+                  <p:par>
+                    <p:cTn id="26" fill="hold">
+                      <p:stCondLst>
+                        <p:cond delay="indefinite"/>
+                      </p:stCondLst>
+                      <p:childTnLst>
+                        <p:par>
+                          <p:cTn id="27" fill="hold">
+                            <p:stCondLst>
+                              <p:cond delay="0"/>
+                            </p:stCondLst>
+                            <p:childTnLst>
+                              <p:par>
+                                <p:cTn id="28" presetID="1" presetClass="entr" presetSubtype="0" fill="hold" grpId="0" nodeType="clickEffect">
+                                  <p:stCondLst>
+                                    <p:cond delay="0"/>
+                                  </p:stCondLst>
+                                  <p:childTnLst>
+                                    <p:set>
+                                      <p:cBhvr>
+                                        <p:cTn id="29" dur="1" fill="hold">
+                                          <p:stCondLst>
+                                            <p:cond delay="0"/>
+                                          </p:stCondLst>
+                                        </p:cTn>
+                                        <p:tgtEl>
+                                          <p:spTgt spid="32"/>
                                         </p:tgtEl>
                                         <p:attrNameLst>
                                           <p:attrName>style.visibility</p:attrName>
@@ -6700,20 +7326,20 @@
                                 </p:cTn>
                               </p:par>
                               <p:par>
-                                <p:cTn id="7" presetID="1" presetClass="entr" presetSubtype="0" fill="hold" grpId="0" nodeType="withEffect">
+                                <p:cTn id="30" presetID="1" presetClass="entr" presetSubtype="0" fill="hold" nodeType="withEffect">
                                   <p:stCondLst>
                                     <p:cond delay="0"/>
                                   </p:stCondLst>
                                   <p:childTnLst>
                                     <p:set>
                                       <p:cBhvr>
-                                        <p:cTn id="8" dur="1" fill="hold">
+                                        <p:cTn id="31" dur="1" fill="hold">
                                           <p:stCondLst>
                                             <p:cond delay="0"/>
                                           </p:stCondLst>
                                         </p:cTn>
                                         <p:tgtEl>
-                                          <p:spTgt spid="23"/>
+                                          <p:spTgt spid="42"/>
                                         </p:tgtEl>
                                         <p:attrNameLst>
                                           <p:attrName>style.visibility</p:attrName>
@@ -6727,20 +7353,101 @@
                                 </p:cTn>
                               </p:par>
                               <p:par>
-                                <p:cTn id="9" presetID="1" presetClass="entr" presetSubtype="0" fill="hold" nodeType="withEffect">
+                                <p:cTn id="32" presetID="1" presetClass="entr" presetSubtype="0" fill="hold" grpId="0" nodeType="withEffect">
                                   <p:stCondLst>
                                     <p:cond delay="0"/>
                                   </p:stCondLst>
                                   <p:childTnLst>
                                     <p:set>
                                       <p:cBhvr>
-                                        <p:cTn id="10" dur="1" fill="hold">
+                                        <p:cTn id="33" dur="1" fill="hold">
                                           <p:stCondLst>
                                             <p:cond delay="0"/>
                                           </p:stCondLst>
                                         </p:cTn>
                                         <p:tgtEl>
-                                          <p:spTgt spid="22"/>
+                                          <p:spTgt spid="31"/>
+                                        </p:tgtEl>
+                                        <p:attrNameLst>
+                                          <p:attrName>style.visibility</p:attrName>
+                                        </p:attrNameLst>
+                                      </p:cBhvr>
+                                      <p:to>
+                                        <p:strVal val="visible"/>
+                                      </p:to>
+                                    </p:set>
+                                  </p:childTnLst>
+                                </p:cTn>
+                              </p:par>
+                              <p:par>
+                                <p:cTn id="34" presetID="1" presetClass="entr" presetSubtype="0" fill="hold" grpId="0" nodeType="withEffect">
+                                  <p:stCondLst>
+                                    <p:cond delay="0"/>
+                                  </p:stCondLst>
+                                  <p:childTnLst>
+                                    <p:set>
+                                      <p:cBhvr>
+                                        <p:cTn id="35" dur="1" fill="hold">
+                                          <p:stCondLst>
+                                            <p:cond delay="0"/>
+                                          </p:stCondLst>
+                                        </p:cTn>
+                                        <p:tgtEl>
+                                          <p:spTgt spid="36"/>
+                                        </p:tgtEl>
+                                        <p:attrNameLst>
+                                          <p:attrName>style.visibility</p:attrName>
+                                        </p:attrNameLst>
+                                      </p:cBhvr>
+                                      <p:to>
+                                        <p:strVal val="visible"/>
+                                      </p:to>
+                                    </p:set>
+                                  </p:childTnLst>
+                                </p:cTn>
+                              </p:par>
+                              <p:par>
+                                <p:cTn id="36" presetID="1" presetClass="entr" presetSubtype="0" fill="hold" nodeType="withEffect">
+                                  <p:stCondLst>
+                                    <p:cond delay="0"/>
+                                  </p:stCondLst>
+                                  <p:childTnLst>
+                                    <p:set>
+                                      <p:cBhvr>
+                                        <p:cTn id="37" dur="1" fill="hold">
+                                          <p:stCondLst>
+                                            <p:cond delay="0"/>
+                                          </p:stCondLst>
+                                        </p:cTn>
+                                        <p:tgtEl>
+                                          <p:spTgt spid="46"/>
+                                        </p:tgtEl>
+                                        <p:attrNameLst>
+                                          <p:attrName>style.visibility</p:attrName>
+                                        </p:attrNameLst>
+                                      </p:cBhvr>
+                                      <p:to>
+                                        <p:strVal val="visible"/>
+                                      </p:to>
+                                    </p:set>
+                                  </p:childTnLst>
+                                </p:cTn>
+                              </p:par>
+                              <p:par>
+                                <p:cTn id="38" presetID="1" presetClass="entr" presetSubtype="0" fill="hold" grpId="0" nodeType="withEffect">
+                                  <p:stCondLst>
+                                    <p:cond delay="0"/>
+                                  </p:stCondLst>
+                                  <p:childTnLst>
+                                    <p:set>
+                                      <p:cBhvr>
+                                        <p:cTn id="39" dur="1" fill="hold">
+                                          <p:stCondLst>
+                                            <p:cond delay="0"/>
+                                          </p:stCondLst>
+                                        </p:cTn>
+                                        <p:tgtEl>
+                                          <p:spTgt spid="37"/>
                                         </p:tgtEl>
                                         <p:attrNameLst>
                                           <p:attrName>style.visibility</p:attrName>
@@ -6760,363 +7467,19 @@
                     </p:cTn>
                   </p:par>
                   <p:par>
-                    <p:cTn id="11" fill="hold">
+                    <p:cTn id="40" fill="hold">
                       <p:stCondLst>
                         <p:cond delay="indefinite"/>
                       </p:stCondLst>
                       <p:childTnLst>
                         <p:par>
-                          <p:cTn id="12" fill="hold">
+                          <p:cTn id="41" fill="hold">
                             <p:stCondLst>
                               <p:cond delay="0"/>
                             </p:stCondLst>
                             <p:childTnLst>
                               <p:par>
-                                <p:cTn id="13" presetID="10" presetClass="entr" presetSubtype="0" fill="hold" grpId="0" nodeType="clickEffect">
-                                  <p:stCondLst>
-                                    <p:cond delay="0"/>
-                                  </p:stCondLst>
-                                  <p:childTnLst>
-                                    <p:set>
-                                      <p:cBhvr>
-                                        <p:cTn id="14" dur="1" fill="hold">
-                                          <p:stCondLst>
-                                            <p:cond delay="0"/>
-                                          </p:stCondLst>
-                                        </p:cTn>
-                                        <p:tgtEl>
-                                          <p:spTgt spid="27"/>
-                                        </p:tgtEl>
-                                        <p:attrNameLst>
-                                          <p:attrName>style.visibility</p:attrName>
-                                        </p:attrNameLst>
-                                      </p:cBhvr>
-                                      <p:to>
-                                        <p:strVal val="visible"/>
-                                      </p:to>
-                                    </p:set>
-                                    <p:animEffect transition="in" filter="fade">
-                                      <p:cBhvr>
-                                        <p:cTn id="15" dur="500"/>
-                                        <p:tgtEl>
-                                          <p:spTgt spid="27"/>
-                                        </p:tgtEl>
-                                      </p:cBhvr>
-                                    </p:animEffect>
-                                  </p:childTnLst>
-                                </p:cTn>
-                              </p:par>
-                              <p:par>
-                                <p:cTn id="16" presetID="10" presetClass="entr" presetSubtype="0" fill="hold" grpId="0" nodeType="withEffect">
-                                  <p:stCondLst>
-                                    <p:cond delay="0"/>
-                                  </p:stCondLst>
-                                  <p:childTnLst>
-                                    <p:set>
-                                      <p:cBhvr>
-                                        <p:cTn id="17" dur="1" fill="hold">
-                                          <p:stCondLst>
-                                            <p:cond delay="0"/>
-                                          </p:stCondLst>
-                                        </p:cTn>
-                                        <p:tgtEl>
-                                          <p:spTgt spid="15"/>
-                                        </p:tgtEl>
-                                        <p:attrNameLst>
-                                          <p:attrName>style.visibility</p:attrName>
-                                        </p:attrNameLst>
-                                      </p:cBhvr>
-                                      <p:to>
-                                        <p:strVal val="visible"/>
-                                      </p:to>
-                                    </p:set>
-                                    <p:animEffect transition="in" filter="fade">
-                                      <p:cBhvr>
-                                        <p:cTn id="18" dur="500"/>
-                                        <p:tgtEl>
-                                          <p:spTgt spid="15"/>
-                                        </p:tgtEl>
-                                      </p:cBhvr>
-                                    </p:animEffect>
-                                  </p:childTnLst>
-                                </p:cTn>
-                              </p:par>
-                              <p:par>
-                                <p:cTn id="19" presetID="10" presetClass="entr" presetSubtype="0" fill="hold" nodeType="withEffect">
-                                  <p:stCondLst>
-                                    <p:cond delay="0"/>
-                                  </p:stCondLst>
-                                  <p:childTnLst>
-                                    <p:set>
-                                      <p:cBhvr>
-                                        <p:cTn id="20" dur="1" fill="hold">
-                                          <p:stCondLst>
-                                            <p:cond delay="0"/>
-                                          </p:stCondLst>
-                                        </p:cTn>
-                                        <p:tgtEl>
-                                          <p:spTgt spid="13"/>
-                                        </p:tgtEl>
-                                        <p:attrNameLst>
-                                          <p:attrName>style.visibility</p:attrName>
-                                        </p:attrNameLst>
-                                      </p:cBhvr>
-                                      <p:to>
-                                        <p:strVal val="visible"/>
-                                      </p:to>
-                                    </p:set>
-                                    <p:animEffect transition="in" filter="fade">
-                                      <p:cBhvr>
-                                        <p:cTn id="21" dur="500"/>
-                                        <p:tgtEl>
-                                          <p:spTgt spid="13"/>
-                                        </p:tgtEl>
-                                      </p:cBhvr>
-                                    </p:animEffect>
-                                  </p:childTnLst>
-                                </p:cTn>
-                              </p:par>
-                              <p:par>
-                                <p:cTn id="22" presetID="10" presetClass="entr" presetSubtype="0" fill="hold" nodeType="withEffect">
-                                  <p:stCondLst>
-                                    <p:cond delay="0"/>
-                                  </p:stCondLst>
-                                  <p:childTnLst>
-                                    <p:set>
-                                      <p:cBhvr>
-                                        <p:cTn id="23" dur="1" fill="hold">
-                                          <p:stCondLst>
-                                            <p:cond delay="0"/>
-                                          </p:stCondLst>
-                                        </p:cTn>
-                                        <p:tgtEl>
-                                          <p:spTgt spid="16"/>
-                                        </p:tgtEl>
-                                        <p:attrNameLst>
-                                          <p:attrName>style.visibility</p:attrName>
-                                        </p:attrNameLst>
-                                      </p:cBhvr>
-                                      <p:to>
-                                        <p:strVal val="visible"/>
-                                      </p:to>
-                                    </p:set>
-                                    <p:animEffect transition="in" filter="fade">
-                                      <p:cBhvr>
-                                        <p:cTn id="24" dur="500"/>
-                                        <p:tgtEl>
-                                          <p:spTgt spid="16"/>
-                                        </p:tgtEl>
-                                      </p:cBhvr>
-                                    </p:animEffect>
-                                  </p:childTnLst>
-                                </p:cTn>
-                              </p:par>
-                              <p:par>
-                                <p:cTn id="25" presetID="10" presetClass="entr" presetSubtype="0" fill="hold" nodeType="withEffect">
-                                  <p:stCondLst>
-                                    <p:cond delay="0"/>
-                                  </p:stCondLst>
-                                  <p:childTnLst>
-                                    <p:set>
-                                      <p:cBhvr>
-                                        <p:cTn id="26" dur="1" fill="hold">
-                                          <p:stCondLst>
-                                            <p:cond delay="0"/>
-                                          </p:stCondLst>
-                                        </p:cTn>
-                                        <p:tgtEl>
-                                          <p:spTgt spid="17"/>
-                                        </p:tgtEl>
-                                        <p:attrNameLst>
-                                          <p:attrName>style.visibility</p:attrName>
-                                        </p:attrNameLst>
-                                      </p:cBhvr>
-                                      <p:to>
-                                        <p:strVal val="visible"/>
-                                      </p:to>
-                                    </p:set>
-                                    <p:animEffect transition="in" filter="fade">
-                                      <p:cBhvr>
-                                        <p:cTn id="27" dur="500"/>
-                                        <p:tgtEl>
-                                          <p:spTgt spid="17"/>
-                                        </p:tgtEl>
-                                      </p:cBhvr>
-                                    </p:animEffect>
-                                  </p:childTnLst>
-                                </p:cTn>
-                              </p:par>
-                              <p:par>
-                                <p:cTn id="28" presetID="10" presetClass="entr" presetSubtype="0" fill="hold" nodeType="withEffect">
-                                  <p:stCondLst>
-                                    <p:cond delay="0"/>
-                                  </p:stCondLst>
-                                  <p:childTnLst>
-                                    <p:set>
-                                      <p:cBhvr>
-                                        <p:cTn id="29" dur="1" fill="hold">
-                                          <p:stCondLst>
-                                            <p:cond delay="0"/>
-                                          </p:stCondLst>
-                                        </p:cTn>
-                                        <p:tgtEl>
-                                          <p:spTgt spid="18"/>
-                                        </p:tgtEl>
-                                        <p:attrNameLst>
-                                          <p:attrName>style.visibility</p:attrName>
-                                        </p:attrNameLst>
-                                      </p:cBhvr>
-                                      <p:to>
-                                        <p:strVal val="visible"/>
-                                      </p:to>
-                                    </p:set>
-                                    <p:animEffect transition="in" filter="fade">
-                                      <p:cBhvr>
-                                        <p:cTn id="30" dur="500"/>
-                                        <p:tgtEl>
-                                          <p:spTgt spid="18"/>
-                                        </p:tgtEl>
-                                      </p:cBhvr>
-                                    </p:animEffect>
-                                  </p:childTnLst>
-                                </p:cTn>
-                              </p:par>
-                              <p:par>
-                                <p:cTn id="31" presetID="10" presetClass="entr" presetSubtype="0" fill="hold" nodeType="withEffect">
-                                  <p:stCondLst>
-                                    <p:cond delay="0"/>
-                                  </p:stCondLst>
-                                  <p:childTnLst>
-                                    <p:set>
-                                      <p:cBhvr>
-                                        <p:cTn id="32" dur="1" fill="hold">
-                                          <p:stCondLst>
-                                            <p:cond delay="0"/>
-                                          </p:stCondLst>
-                                        </p:cTn>
-                                        <p:tgtEl>
-                                          <p:spTgt spid="11"/>
-                                        </p:tgtEl>
-                                        <p:attrNameLst>
-                                          <p:attrName>style.visibility</p:attrName>
-                                        </p:attrNameLst>
-                                      </p:cBhvr>
-                                      <p:to>
-                                        <p:strVal val="visible"/>
-                                      </p:to>
-                                    </p:set>
-                                    <p:animEffect transition="in" filter="fade">
-                                      <p:cBhvr>
-                                        <p:cTn id="33" dur="500"/>
-                                        <p:tgtEl>
-                                          <p:spTgt spid="11"/>
-                                        </p:tgtEl>
-                                      </p:cBhvr>
-                                    </p:animEffect>
-                                  </p:childTnLst>
-                                </p:cTn>
-                              </p:par>
-                            </p:childTnLst>
-                          </p:cTn>
-                        </p:par>
-                      </p:childTnLst>
-                    </p:cTn>
-                  </p:par>
-                  <p:par>
-                    <p:cTn id="34" fill="hold">
-                      <p:stCondLst>
-                        <p:cond delay="indefinite"/>
-                      </p:stCondLst>
-                      <p:childTnLst>
-                        <p:par>
-                          <p:cTn id="35" fill="hold">
-                            <p:stCondLst>
-                              <p:cond delay="0"/>
-                            </p:stCondLst>
-                            <p:childTnLst>
-                              <p:par>
-                                <p:cTn id="36" presetID="1" presetClass="entr" presetSubtype="0" fill="hold" grpId="0" nodeType="clickEffect">
-                                  <p:stCondLst>
-                                    <p:cond delay="0"/>
-                                  </p:stCondLst>
-                                  <p:childTnLst>
-                                    <p:set>
-                                      <p:cBhvr>
-                                        <p:cTn id="37" dur="1" fill="hold">
-                                          <p:stCondLst>
-                                            <p:cond delay="0"/>
-                                          </p:stCondLst>
-                                        </p:cTn>
-                                        <p:tgtEl>
-                                          <p:spTgt spid="32"/>
-                                        </p:tgtEl>
-                                        <p:attrNameLst>
-                                          <p:attrName>style.visibility</p:attrName>
-                                        </p:attrNameLst>
-                                      </p:cBhvr>
-                                      <p:to>
-                                        <p:strVal val="visible"/>
-                                      </p:to>
-                                    </p:set>
-                                  </p:childTnLst>
-                                </p:cTn>
-                              </p:par>
-                              <p:par>
-                                <p:cTn id="38" presetID="1" presetClass="entr" presetSubtype="0" fill="hold" nodeType="withEffect">
-                                  <p:stCondLst>
-                                    <p:cond delay="0"/>
-                                  </p:stCondLst>
-                                  <p:childTnLst>
-                                    <p:set>
-                                      <p:cBhvr>
-                                        <p:cTn id="39" dur="1" fill="hold">
-                                          <p:stCondLst>
-                                            <p:cond delay="0"/>
-                                          </p:stCondLst>
-                                        </p:cTn>
-                                        <p:tgtEl>
-                                          <p:spTgt spid="42"/>
-                                        </p:tgtEl>
-                                        <p:attrNameLst>
-                                          <p:attrName>style.visibility</p:attrName>
-                                        </p:attrNameLst>
-                                      </p:cBhvr>
-                                      <p:to>
-                                        <p:strVal val="visible"/>
-                                      </p:to>
-                                    </p:set>
-                                  </p:childTnLst>
-                                </p:cTn>
-                              </p:par>
-                              <p:par>
-                                <p:cTn id="40" presetID="1" presetClass="entr" presetSubtype="0" fill="hold" grpId="0" nodeType="withEffect">
-                                  <p:stCondLst>
-                                    <p:cond delay="0"/>
-                                  </p:stCondLst>
-                                  <p:childTnLst>
-                                    <p:set>
-                                      <p:cBhvr>
-                                        <p:cTn id="41" dur="1" fill="hold">
-                                          <p:stCondLst>
-                                            <p:cond delay="0"/>
-                                          </p:stCondLst>
-                                        </p:cTn>
-                                        <p:tgtEl>
-                                          <p:spTgt spid="31"/>
-                                        </p:tgtEl>
-                                        <p:attrNameLst>
-                                          <p:attrName>style.visibility</p:attrName>
-                                        </p:attrNameLst>
-                                      </p:cBhvr>
-                                      <p:to>
-                                        <p:strVal val="visible"/>
-                                      </p:to>
-                                    </p:set>
-                                  </p:childTnLst>
-                                </p:cTn>
-                              </p:par>
-                              <p:par>
-                                <p:cTn id="42" presetID="1" presetClass="entr" presetSubtype="0" fill="hold" grpId="0" nodeType="withEffect">
+                                <p:cTn id="42" presetID="1" presetClass="entr" presetSubtype="0" fill="hold" grpId="0" nodeType="clickEffect">
                                   <p:stCondLst>
                                     <p:cond delay="0"/>
                                   </p:stCondLst>
@@ -7129,7 +7492,7 @@
                                           </p:stCondLst>
                                         </p:cTn>
                                         <p:tgtEl>
-                                          <p:spTgt spid="36"/>
+                                          <p:spTgt spid="29"/>
                                         </p:tgtEl>
                                         <p:attrNameLst>
                                           <p:attrName>style.visibility</p:attrName>
@@ -7156,7 +7519,7 @@
                                           </p:stCondLst>
                                         </p:cTn>
                                         <p:tgtEl>
-                                          <p:spTgt spid="46"/>
+                                          <p:spTgt spid="41"/>
                                         </p:tgtEl>
                                         <p:attrNameLst>
                                           <p:attrName>style.visibility</p:attrName>
@@ -7183,52 +7546,7 @@
                                           </p:stCondLst>
                                         </p:cTn>
                                         <p:tgtEl>
-                                          <p:spTgt spid="37"/>
-                                        </p:tgtEl>
-                                        <p:attrNameLst>
-                                          <p:attrName>style.visibility</p:attrName>
-                                        </p:attrNameLst>
-                                      </p:cBhvr>
-                                      <p:to>
-                                        <p:strVal val="visible"/>
-                                      </p:to>
-                                    </p:set>
-                                  </p:childTnLst>
-                                </p:cTn>
-                              </p:par>
-                            </p:childTnLst>
-                          </p:cTn>
-                        </p:par>
-                      </p:childTnLst>
-                    </p:cTn>
-                  </p:par>
-                  <p:par>
-                    <p:cTn id="48" fill="hold">
-                      <p:stCondLst>
-                        <p:cond delay="indefinite"/>
-                      </p:stCondLst>
-                      <p:childTnLst>
-                        <p:par>
-                          <p:cTn id="49" fill="hold">
-                            <p:stCondLst>
-                              <p:cond delay="0"/>
-                            </p:stCondLst>
-                            <p:childTnLst>
-                              <p:par>
-                                <p:cTn id="50" presetID="1" presetClass="entr" presetSubtype="0" fill="hold" grpId="0" nodeType="clickEffect">
-                                  <p:stCondLst>
-                                    <p:cond delay="0"/>
-                                  </p:stCondLst>
-                                  <p:childTnLst>
-                                    <p:set>
-                                      <p:cBhvr>
-                                        <p:cTn id="51" dur="1" fill="hold">
-                                          <p:stCondLst>
-                                            <p:cond delay="0"/>
-                                          </p:stCondLst>
-                                        </p:cTn>
-                                        <p:tgtEl>
-                                          <p:spTgt spid="29"/>
+                                          <p:spTgt spid="30"/>
                                         </p:tgtEl>
                                         <p:attrNameLst>
                                           <p:attrName>style.visibility</p:attrName>
@@ -7242,7 +7560,61 @@
                                 </p:cTn>
                               </p:par>
                               <p:par>
-                                <p:cTn id="52" presetID="1" presetClass="entr" presetSubtype="0" fill="hold" nodeType="withEffect">
+                                <p:cTn id="48" presetID="1" presetClass="entr" presetSubtype="0" fill="hold" grpId="0" nodeType="withEffect">
+                                  <p:stCondLst>
+                                    <p:cond delay="0"/>
+                                  </p:stCondLst>
+                                  <p:childTnLst>
+                                    <p:set>
+                                      <p:cBhvr>
+                                        <p:cTn id="49" dur="1" fill="hold">
+                                          <p:stCondLst>
+                                            <p:cond delay="0"/>
+                                          </p:stCondLst>
+                                        </p:cTn>
+                                        <p:tgtEl>
+                                          <p:spTgt spid="33"/>
+                                        </p:tgtEl>
+                                        <p:attrNameLst>
+                                          <p:attrName>style.visibility</p:attrName>
+                                        </p:attrNameLst>
+                                      </p:cBhvr>
+                                      <p:to>
+                                        <p:strVal val="visible"/>
+                                      </p:to>
+                                    </p:set>
+                                  </p:childTnLst>
+                                </p:cTn>
+                              </p:par>
+                              <p:par>
+                                <p:cTn id="50" presetID="1" presetClass="entr" presetSubtype="0" fill="hold" nodeType="withEffect">
+                                  <p:stCondLst>
+                                    <p:cond delay="0"/>
+                                  </p:stCondLst>
+                                  <p:childTnLst>
+                                    <p:set>
+                                      <p:cBhvr>
+                                        <p:cTn id="51" dur="1" fill="hold">
+                                          <p:stCondLst>
+                                            <p:cond delay="0"/>
+                                          </p:stCondLst>
+                                        </p:cTn>
+                                        <p:tgtEl>
+                                          <p:spTgt spid="44"/>
+                                        </p:tgtEl>
+                                        <p:attrNameLst>
+                                          <p:attrName>style.visibility</p:attrName>
+                                        </p:attrNameLst>
+                                      </p:cBhvr>
+                                      <p:to>
+                                        <p:strVal val="visible"/>
+                                      </p:to>
+                                    </p:set>
+                                  </p:childTnLst>
+                                </p:cTn>
+                              </p:par>
+                              <p:par>
+                                <p:cTn id="52" presetID="1" presetClass="entr" presetSubtype="0" fill="hold" grpId="0" nodeType="withEffect">
                                   <p:stCondLst>
                                     <p:cond delay="0"/>
                                   </p:stCondLst>
@@ -7255,7 +7627,7 @@
                                           </p:stCondLst>
                                         </p:cTn>
                                         <p:tgtEl>
-                                          <p:spTgt spid="41"/>
+                                          <p:spTgt spid="35"/>
                                         </p:tgtEl>
                                         <p:attrNameLst>
                                           <p:attrName>style.visibility</p:attrName>
@@ -7282,7 +7654,7 @@
                                           </p:stCondLst>
                                         </p:cTn>
                                         <p:tgtEl>
-                                          <p:spTgt spid="30"/>
+                                          <p:spTgt spid="55"/>
                                         </p:tgtEl>
                                         <p:attrNameLst>
                                           <p:attrName>style.visibility</p:attrName>
@@ -7309,114 +7681,6 @@
                                           </p:stCondLst>
                                         </p:cTn>
                                         <p:tgtEl>
-                                          <p:spTgt spid="33"/>
-                                        </p:tgtEl>
-                                        <p:attrNameLst>
-                                          <p:attrName>style.visibility</p:attrName>
-                                        </p:attrNameLst>
-                                      </p:cBhvr>
-                                      <p:to>
-                                        <p:strVal val="visible"/>
-                                      </p:to>
-                                    </p:set>
-                                  </p:childTnLst>
-                                </p:cTn>
-                              </p:par>
-                              <p:par>
-                                <p:cTn id="58" presetID="1" presetClass="entr" presetSubtype="0" fill="hold" nodeType="withEffect">
-                                  <p:stCondLst>
-                                    <p:cond delay="0"/>
-                                  </p:stCondLst>
-                                  <p:childTnLst>
-                                    <p:set>
-                                      <p:cBhvr>
-                                        <p:cTn id="59" dur="1" fill="hold">
-                                          <p:stCondLst>
-                                            <p:cond delay="0"/>
-                                          </p:stCondLst>
-                                        </p:cTn>
-                                        <p:tgtEl>
-                                          <p:spTgt spid="44"/>
-                                        </p:tgtEl>
-                                        <p:attrNameLst>
-                                          <p:attrName>style.visibility</p:attrName>
-                                        </p:attrNameLst>
-                                      </p:cBhvr>
-                                      <p:to>
-                                        <p:strVal val="visible"/>
-                                      </p:to>
-                                    </p:set>
-                                  </p:childTnLst>
-                                </p:cTn>
-                              </p:par>
-                              <p:par>
-                                <p:cTn id="60" presetID="1" presetClass="entr" presetSubtype="0" fill="hold" grpId="0" nodeType="withEffect">
-                                  <p:stCondLst>
-                                    <p:cond delay="0"/>
-                                  </p:stCondLst>
-                                  <p:childTnLst>
-                                    <p:set>
-                                      <p:cBhvr>
-                                        <p:cTn id="61" dur="1" fill="hold">
-                                          <p:stCondLst>
-                                            <p:cond delay="0"/>
-                                          </p:stCondLst>
-                                        </p:cTn>
-                                        <p:tgtEl>
-                                          <p:spTgt spid="35"/>
-                                        </p:tgtEl>
-                                        <p:attrNameLst>
-                                          <p:attrName>style.visibility</p:attrName>
-                                        </p:attrNameLst>
-                                      </p:cBhvr>
-                                      <p:to>
-                                        <p:strVal val="visible"/>
-                                      </p:to>
-                                    </p:set>
-                                  </p:childTnLst>
-                                </p:cTn>
-                              </p:par>
-                              <p:par>
-                                <p:cTn id="62" presetID="1" presetClass="entr" presetSubtype="0" fill="hold" grpId="0" nodeType="withEffect">
-                                  <p:stCondLst>
-                                    <p:cond delay="0"/>
-                                  </p:stCondLst>
-                                  <p:childTnLst>
-                                    <p:set>
-                                      <p:cBhvr>
-                                        <p:cTn id="63" dur="1" fill="hold">
-                                          <p:stCondLst>
-                                            <p:cond delay="0"/>
-                                          </p:stCondLst>
-                                        </p:cTn>
-                                        <p:tgtEl>
-                                          <p:spTgt spid="55"/>
-                                        </p:tgtEl>
-                                        <p:attrNameLst>
-                                          <p:attrName>style.visibility</p:attrName>
-                                        </p:attrNameLst>
-                                      </p:cBhvr>
-                                      <p:to>
-                                        <p:strVal val="visible"/>
-                                      </p:to>
-                                    </p:set>
-                                  </p:childTnLst>
-                                </p:cTn>
-                              </p:par>
-                              <p:par>
-                                <p:cTn id="64" presetID="1" presetClass="entr" presetSubtype="0" fill="hold" grpId="0" nodeType="withEffect">
-                                  <p:stCondLst>
-                                    <p:cond delay="0"/>
-                                  </p:stCondLst>
-                                  <p:childTnLst>
-                                    <p:set>
-                                      <p:cBhvr>
-                                        <p:cTn id="65" dur="1" fill="hold">
-                                          <p:stCondLst>
-                                            <p:cond delay="0"/>
-                                          </p:stCondLst>
-                                        </p:cTn>
-                                        <p:tgtEl>
                                           <p:spTgt spid="56"/>
                                         </p:tgtEl>
                                         <p:attrNameLst>
@@ -7431,14 +7695,14 @@
                                 </p:cTn>
                               </p:par>
                               <p:par>
-                                <p:cTn id="66" presetID="1" presetClass="entr" presetSubtype="0" fill="hold" grpId="0" nodeType="withEffect">
+                                <p:cTn id="58" presetID="1" presetClass="entr" presetSubtype="0" fill="hold" grpId="0" nodeType="withEffect">
                                   <p:stCondLst>
                                     <p:cond delay="0"/>
                                   </p:stCondLst>
                                   <p:childTnLst>
                                     <p:set>
                                       <p:cBhvr>
-                                        <p:cTn id="67" dur="1" fill="hold">
+                                        <p:cTn id="59" dur="1" fill="hold">
                                           <p:stCondLst>
                                             <p:cond delay="0"/>
                                           </p:stCondLst>
@@ -7486,9 +7750,7 @@
     </p:tnLst>
     <p:bldLst>
       <p:bldP spid="15" grpId="0"/>
-      <p:bldP spid="23" grpId="0"/>
       <p:bldP spid="27" grpId="0" animBg="1"/>
-      <p:bldP spid="28" grpId="0" animBg="1"/>
       <p:bldP spid="29" grpId="0" animBg="1"/>
       <p:bldP spid="30" grpId="0" animBg="1"/>
       <p:bldP spid="31" grpId="0" animBg="1"/>
@@ -7500,6 +7762,1019 @@
       <p:bldP spid="55" grpId="0" animBg="1"/>
       <p:bldP spid="56" grpId="0" animBg="1"/>
       <p:bldP spid="57" grpId="0" animBg="1"/>
+    </p:bldLst>
+  </p:timing>
+</p:sld>
+</file>
+
+<file path=ppt/slides/slide9.xml><?xml version="1.0" encoding="utf-8"?>
+<p:sld xmlns:a="http://schemas.openxmlformats.org/drawingml/2006/main" xmlns:r="http://schemas.openxmlformats.org/officeDocument/2006/relationships" xmlns:p="http://schemas.openxmlformats.org/presentationml/2006/main">
+  <p:cSld>
+    <p:spTree>
+      <p:nvGrpSpPr>
+        <p:cNvPr id="1" name=""/>
+        <p:cNvGrpSpPr/>
+        <p:nvPr/>
+      </p:nvGrpSpPr>
+      <p:grpSpPr>
+        <a:xfrm>
+          <a:off x="0" y="0"/>
+          <a:ext cx="0" cy="0"/>
+          <a:chOff x="0" y="0"/>
+          <a:chExt cx="0" cy="0"/>
+        </a:xfrm>
+      </p:grpSpPr>
+      <p:pic>
+        <p:nvPicPr>
+          <p:cNvPr id="11" name="Image 10">
+            <a:extLst>
+              <a:ext uri="{FF2B5EF4-FFF2-40B4-BE49-F238E27FC236}">
+                <a16:creationId xmlns:a16="http://schemas.microsoft.com/office/drawing/2014/main" id="{60AF6058-67C4-4C84-8297-F83F1D063128}"/>
+              </a:ext>
+            </a:extLst>
+          </p:cNvPr>
+          <p:cNvPicPr>
+            <a:picLocks noChangeAspect="1"/>
+          </p:cNvPicPr>
+          <p:nvPr/>
+        </p:nvPicPr>
+        <p:blipFill>
+          <a:blip r:embed="rId2"/>
+          <a:stretch>
+            <a:fillRect/>
+          </a:stretch>
+        </p:blipFill>
+        <p:spPr>
+          <a:xfrm>
+            <a:off x="972752" y="873145"/>
+            <a:ext cx="9144792" cy="3543607"/>
+          </a:xfrm>
+          <a:prstGeom prst="rect">
+            <a:avLst/>
+          </a:prstGeom>
+          <a:effectLst>
+            <a:outerShdw blurRad="50800" dist="38100" dir="13500000" algn="br" rotWithShape="0">
+              <a:prstClr val="black">
+                <a:alpha val="40000"/>
+              </a:prstClr>
+            </a:outerShdw>
+          </a:effectLst>
+        </p:spPr>
+      </p:pic>
+      <p:pic>
+        <p:nvPicPr>
+          <p:cNvPr id="15" name="Image 14">
+            <a:extLst>
+              <a:ext uri="{FF2B5EF4-FFF2-40B4-BE49-F238E27FC236}">
+                <a16:creationId xmlns:a16="http://schemas.microsoft.com/office/drawing/2014/main" id="{33E9A463-7E68-4884-A863-FEFC2C63EF2B}"/>
+              </a:ext>
+            </a:extLst>
+          </p:cNvPr>
+          <p:cNvPicPr>
+            <a:picLocks noChangeAspect="1"/>
+          </p:cNvPicPr>
+          <p:nvPr/>
+        </p:nvPicPr>
+        <p:blipFill>
+          <a:blip r:embed="rId3"/>
+          <a:stretch>
+            <a:fillRect/>
+          </a:stretch>
+        </p:blipFill>
+        <p:spPr>
+          <a:xfrm>
+            <a:off x="972752" y="4503274"/>
+            <a:ext cx="6523285" cy="2255715"/>
+          </a:xfrm>
+          <a:prstGeom prst="rect">
+            <a:avLst/>
+          </a:prstGeom>
+          <a:effectLst>
+            <a:outerShdw blurRad="50800" dist="38100" dir="13500000" algn="br" rotWithShape="0">
+              <a:prstClr val="black">
+                <a:alpha val="40000"/>
+              </a:prstClr>
+            </a:outerShdw>
+          </a:effectLst>
+        </p:spPr>
+      </p:pic>
+      <p:sp>
+        <p:nvSpPr>
+          <p:cNvPr id="17" name="ZoneTexte 16">
+            <a:extLst>
+              <a:ext uri="{FF2B5EF4-FFF2-40B4-BE49-F238E27FC236}">
+                <a16:creationId xmlns:a16="http://schemas.microsoft.com/office/drawing/2014/main" id="{18D53FDF-17F4-45F4-8DB3-AF01A8202C98}"/>
+              </a:ext>
+            </a:extLst>
+          </p:cNvPr>
+          <p:cNvSpPr txBox="1"/>
+          <p:nvPr/>
+        </p:nvSpPr>
+        <p:spPr>
+          <a:xfrm>
+            <a:off x="972752" y="207278"/>
+            <a:ext cx="5469254" cy="461665"/>
+          </a:xfrm>
+          <a:prstGeom prst="rect">
+            <a:avLst/>
+          </a:prstGeom>
+          <a:noFill/>
+        </p:spPr>
+        <p:txBody>
+          <a:bodyPr wrap="none" rtlCol="0">
+            <a:spAutoFit/>
+          </a:bodyPr>
+          <a:lstStyle/>
+          <a:p>
+            <a:r>
+              <a:rPr lang="fr-BE" sz="2400" b="1" dirty="0">
+                <a:effectLst>
+                  <a:outerShdw blurRad="38100" dist="38100" dir="2700000" algn="tl">
+                    <a:srgbClr val="000000">
+                      <a:alpha val="43137"/>
+                    </a:srgbClr>
+                  </a:outerShdw>
+                </a:effectLst>
+              </a:rPr>
+              <a:t>Explication de code: </a:t>
+            </a:r>
+            <a:r>
+              <a:rPr lang="fr-BE" sz="2000" b="1" dirty="0">
+                <a:effectLst>
+                  <a:outerShdw blurRad="38100" dist="38100" dir="2700000" algn="tl">
+                    <a:srgbClr val="000000">
+                      <a:alpha val="43137"/>
+                    </a:srgbClr>
+                  </a:outerShdw>
+                </a:effectLst>
+              </a:rPr>
+              <a:t>Lecture de l’objet voiture</a:t>
+            </a:r>
+            <a:endParaRPr lang="fr-BE" sz="2400" b="1" dirty="0">
+              <a:effectLst>
+                <a:outerShdw blurRad="38100" dist="38100" dir="2700000" algn="tl">
+                  <a:srgbClr val="000000">
+                    <a:alpha val="43137"/>
+                  </a:srgbClr>
+                </a:outerShdw>
+              </a:effectLst>
+            </a:endParaRPr>
+          </a:p>
+        </p:txBody>
+      </p:sp>
+      <p:sp>
+        <p:nvSpPr>
+          <p:cNvPr id="18" name="Rectangle 17">
+            <a:extLst>
+              <a:ext uri="{FF2B5EF4-FFF2-40B4-BE49-F238E27FC236}">
+                <a16:creationId xmlns:a16="http://schemas.microsoft.com/office/drawing/2014/main" id="{ECCFB630-7416-402E-B810-8678D4A2B101}"/>
+              </a:ext>
+            </a:extLst>
+          </p:cNvPr>
+          <p:cNvSpPr/>
+          <p:nvPr/>
+        </p:nvSpPr>
+        <p:spPr>
+          <a:xfrm>
+            <a:off x="2383971" y="2475411"/>
+            <a:ext cx="1169126" cy="163286"/>
+          </a:xfrm>
+          <a:prstGeom prst="rect">
+            <a:avLst/>
+          </a:prstGeom>
+          <a:noFill/>
+          <a:ln w="28575"/>
+        </p:spPr>
+        <p:style>
+          <a:lnRef idx="2">
+            <a:schemeClr val="accent1">
+              <a:shade val="50000"/>
+            </a:schemeClr>
+          </a:lnRef>
+          <a:fillRef idx="1">
+            <a:schemeClr val="accent1"/>
+          </a:fillRef>
+          <a:effectRef idx="0">
+            <a:schemeClr val="accent1"/>
+          </a:effectRef>
+          <a:fontRef idx="minor">
+            <a:schemeClr val="lt1"/>
+          </a:fontRef>
+        </p:style>
+        <p:txBody>
+          <a:bodyPr rtlCol="0" anchor="ctr"/>
+          <a:lstStyle/>
+          <a:p>
+            <a:pPr algn="ctr"/>
+            <a:endParaRPr lang="fr-BE"/>
+          </a:p>
+        </p:txBody>
+      </p:sp>
+      <p:sp>
+        <p:nvSpPr>
+          <p:cNvPr id="19" name="Rectangle 18">
+            <a:extLst>
+              <a:ext uri="{FF2B5EF4-FFF2-40B4-BE49-F238E27FC236}">
+                <a16:creationId xmlns:a16="http://schemas.microsoft.com/office/drawing/2014/main" id="{4B9C2CD4-8AD9-4221-816E-CEC99FE9D828}"/>
+              </a:ext>
+            </a:extLst>
+          </p:cNvPr>
+          <p:cNvSpPr/>
+          <p:nvPr/>
+        </p:nvSpPr>
+        <p:spPr>
+          <a:xfrm>
+            <a:off x="972752" y="4503273"/>
+            <a:ext cx="6523284" cy="2255715"/>
+          </a:xfrm>
+          <a:prstGeom prst="rect">
+            <a:avLst/>
+          </a:prstGeom>
+          <a:noFill/>
+          <a:ln w="28575"/>
+        </p:spPr>
+        <p:style>
+          <a:lnRef idx="2">
+            <a:schemeClr val="accent1">
+              <a:shade val="50000"/>
+            </a:schemeClr>
+          </a:lnRef>
+          <a:fillRef idx="1">
+            <a:schemeClr val="accent1"/>
+          </a:fillRef>
+          <a:effectRef idx="0">
+            <a:schemeClr val="accent1"/>
+          </a:effectRef>
+          <a:fontRef idx="minor">
+            <a:schemeClr val="lt1"/>
+          </a:fontRef>
+        </p:style>
+        <p:txBody>
+          <a:bodyPr rtlCol="0" anchor="ctr"/>
+          <a:lstStyle/>
+          <a:p>
+            <a:pPr algn="ctr"/>
+            <a:endParaRPr lang="fr-BE"/>
+          </a:p>
+        </p:txBody>
+      </p:sp>
+      <p:cxnSp>
+        <p:nvCxnSpPr>
+          <p:cNvPr id="21" name="Connecteur droit 20">
+            <a:extLst>
+              <a:ext uri="{FF2B5EF4-FFF2-40B4-BE49-F238E27FC236}">
+                <a16:creationId xmlns:a16="http://schemas.microsoft.com/office/drawing/2014/main" id="{F9CF345B-63C1-4817-AD38-8C5300A7E410}"/>
+              </a:ext>
+            </a:extLst>
+          </p:cNvPr>
+          <p:cNvCxnSpPr/>
+          <p:nvPr/>
+        </p:nvCxnSpPr>
+        <p:spPr>
+          <a:xfrm flipV="1">
+            <a:off x="972752" y="2638697"/>
+            <a:ext cx="1411219" cy="1864575"/>
+          </a:xfrm>
+          <a:prstGeom prst="line">
+            <a:avLst/>
+          </a:prstGeom>
+          <a:ln w="28575">
+            <a:solidFill>
+              <a:schemeClr val="accent1">
+                <a:lumMod val="75000"/>
+              </a:schemeClr>
+            </a:solidFill>
+          </a:ln>
+        </p:spPr>
+        <p:style>
+          <a:lnRef idx="1">
+            <a:schemeClr val="accent1"/>
+          </a:lnRef>
+          <a:fillRef idx="0">
+            <a:schemeClr val="accent1"/>
+          </a:fillRef>
+          <a:effectRef idx="0">
+            <a:schemeClr val="accent1"/>
+          </a:effectRef>
+          <a:fontRef idx="minor">
+            <a:schemeClr val="tx1"/>
+          </a:fontRef>
+        </p:style>
+      </p:cxnSp>
+      <p:cxnSp>
+        <p:nvCxnSpPr>
+          <p:cNvPr id="23" name="Connecteur droit 22">
+            <a:extLst>
+              <a:ext uri="{FF2B5EF4-FFF2-40B4-BE49-F238E27FC236}">
+                <a16:creationId xmlns:a16="http://schemas.microsoft.com/office/drawing/2014/main" id="{918DADF6-D59D-45E8-BB01-FA5FD2501E48}"/>
+              </a:ext>
+            </a:extLst>
+          </p:cNvPr>
+          <p:cNvCxnSpPr>
+            <a:cxnSpLocks/>
+          </p:cNvCxnSpPr>
+          <p:nvPr/>
+        </p:nvCxnSpPr>
+        <p:spPr>
+          <a:xfrm>
+            <a:off x="3553097" y="2638697"/>
+            <a:ext cx="3942939" cy="1864575"/>
+          </a:xfrm>
+          <a:prstGeom prst="line">
+            <a:avLst/>
+          </a:prstGeom>
+          <a:ln w="28575">
+            <a:solidFill>
+              <a:schemeClr val="accent1">
+                <a:lumMod val="75000"/>
+              </a:schemeClr>
+            </a:solidFill>
+          </a:ln>
+        </p:spPr>
+        <p:style>
+          <a:lnRef idx="1">
+            <a:schemeClr val="accent1"/>
+          </a:lnRef>
+          <a:fillRef idx="0">
+            <a:schemeClr val="accent1"/>
+          </a:fillRef>
+          <a:effectRef idx="0">
+            <a:schemeClr val="accent1"/>
+          </a:effectRef>
+          <a:fontRef idx="minor">
+            <a:schemeClr val="tx1"/>
+          </a:fontRef>
+        </p:style>
+      </p:cxnSp>
+      <p:sp>
+        <p:nvSpPr>
+          <p:cNvPr id="25" name="Rectangle 24">
+            <a:extLst>
+              <a:ext uri="{FF2B5EF4-FFF2-40B4-BE49-F238E27FC236}">
+                <a16:creationId xmlns:a16="http://schemas.microsoft.com/office/drawing/2014/main" id="{A0DE2CCD-C48B-4D9D-81B2-9FA9E7FB501D}"/>
+              </a:ext>
+            </a:extLst>
+          </p:cNvPr>
+          <p:cNvSpPr/>
+          <p:nvPr/>
+        </p:nvSpPr>
+        <p:spPr>
+          <a:xfrm>
+            <a:off x="4036423" y="5965262"/>
+            <a:ext cx="1051560" cy="135094"/>
+          </a:xfrm>
+          <a:prstGeom prst="rect">
+            <a:avLst/>
+          </a:prstGeom>
+          <a:noFill/>
+          <a:ln w="28575">
+            <a:solidFill>
+              <a:schemeClr val="accent2">
+                <a:lumMod val="60000"/>
+                <a:lumOff val="40000"/>
+              </a:schemeClr>
+            </a:solidFill>
+          </a:ln>
+        </p:spPr>
+        <p:style>
+          <a:lnRef idx="2">
+            <a:schemeClr val="accent1">
+              <a:shade val="50000"/>
+            </a:schemeClr>
+          </a:lnRef>
+          <a:fillRef idx="1">
+            <a:schemeClr val="accent1"/>
+          </a:fillRef>
+          <a:effectRef idx="0">
+            <a:schemeClr val="accent1"/>
+          </a:effectRef>
+          <a:fontRef idx="minor">
+            <a:schemeClr val="lt1"/>
+          </a:fontRef>
+        </p:style>
+        <p:txBody>
+          <a:bodyPr rtlCol="0" anchor="ctr"/>
+          <a:lstStyle/>
+          <a:p>
+            <a:pPr algn="ctr"/>
+            <a:endParaRPr lang="fr-BE"/>
+          </a:p>
+        </p:txBody>
+      </p:sp>
+      <p:pic>
+        <p:nvPicPr>
+          <p:cNvPr id="26" name="Image 25">
+            <a:extLst>
+              <a:ext uri="{FF2B5EF4-FFF2-40B4-BE49-F238E27FC236}">
+                <a16:creationId xmlns:a16="http://schemas.microsoft.com/office/drawing/2014/main" id="{AD5E1B05-065E-48B7-BAEE-81825C3DBE64}"/>
+              </a:ext>
+            </a:extLst>
+          </p:cNvPr>
+          <p:cNvPicPr>
+            <a:picLocks noChangeAspect="1"/>
+          </p:cNvPicPr>
+          <p:nvPr/>
+        </p:nvPicPr>
+        <p:blipFill>
+          <a:blip r:embed="rId4"/>
+          <a:stretch>
+            <a:fillRect/>
+          </a:stretch>
+        </p:blipFill>
+        <p:spPr>
+          <a:xfrm>
+            <a:off x="5958840" y="2208390"/>
+            <a:ext cx="5159187" cy="1798476"/>
+          </a:xfrm>
+          <a:prstGeom prst="rect">
+            <a:avLst/>
+          </a:prstGeom>
+          <a:effectLst>
+            <a:outerShdw blurRad="50800" dist="38100" dir="13500000" algn="br" rotWithShape="0">
+              <a:prstClr val="black">
+                <a:alpha val="40000"/>
+              </a:prstClr>
+            </a:outerShdw>
+          </a:effectLst>
+        </p:spPr>
+      </p:pic>
+      <p:sp>
+        <p:nvSpPr>
+          <p:cNvPr id="27" name="Rectangle 26">
+            <a:extLst>
+              <a:ext uri="{FF2B5EF4-FFF2-40B4-BE49-F238E27FC236}">
+                <a16:creationId xmlns:a16="http://schemas.microsoft.com/office/drawing/2014/main" id="{00171664-EFCF-420B-A75B-BF30A86996E4}"/>
+              </a:ext>
+            </a:extLst>
+          </p:cNvPr>
+          <p:cNvSpPr/>
+          <p:nvPr/>
+        </p:nvSpPr>
+        <p:spPr>
+          <a:xfrm>
+            <a:off x="5958840" y="2208388"/>
+            <a:ext cx="5159186" cy="1798475"/>
+          </a:xfrm>
+          <a:prstGeom prst="rect">
+            <a:avLst/>
+          </a:prstGeom>
+          <a:noFill/>
+          <a:ln w="28575">
+            <a:solidFill>
+              <a:schemeClr val="accent2">
+                <a:lumMod val="60000"/>
+                <a:lumOff val="40000"/>
+              </a:schemeClr>
+            </a:solidFill>
+          </a:ln>
+        </p:spPr>
+        <p:style>
+          <a:lnRef idx="2">
+            <a:schemeClr val="accent1">
+              <a:shade val="50000"/>
+            </a:schemeClr>
+          </a:lnRef>
+          <a:fillRef idx="1">
+            <a:schemeClr val="accent1"/>
+          </a:fillRef>
+          <a:effectRef idx="0">
+            <a:schemeClr val="accent1"/>
+          </a:effectRef>
+          <a:fontRef idx="minor">
+            <a:schemeClr val="lt1"/>
+          </a:fontRef>
+        </p:style>
+        <p:txBody>
+          <a:bodyPr rtlCol="0" anchor="ctr"/>
+          <a:lstStyle/>
+          <a:p>
+            <a:pPr algn="ctr"/>
+            <a:endParaRPr lang="fr-BE"/>
+          </a:p>
+        </p:txBody>
+      </p:sp>
+      <p:cxnSp>
+        <p:nvCxnSpPr>
+          <p:cNvPr id="29" name="Connecteur droit 28">
+            <a:extLst>
+              <a:ext uri="{FF2B5EF4-FFF2-40B4-BE49-F238E27FC236}">
+                <a16:creationId xmlns:a16="http://schemas.microsoft.com/office/drawing/2014/main" id="{754424C8-CB98-4D8E-B33B-072421044D97}"/>
+              </a:ext>
+            </a:extLst>
+          </p:cNvPr>
+          <p:cNvCxnSpPr>
+            <a:cxnSpLocks/>
+          </p:cNvCxnSpPr>
+          <p:nvPr/>
+        </p:nvCxnSpPr>
+        <p:spPr>
+          <a:xfrm flipV="1">
+            <a:off x="4036423" y="4006865"/>
+            <a:ext cx="1922416" cy="1958395"/>
+          </a:xfrm>
+          <a:prstGeom prst="line">
+            <a:avLst/>
+          </a:prstGeom>
+          <a:ln w="28575">
+            <a:solidFill>
+              <a:schemeClr val="accent2">
+                <a:lumMod val="60000"/>
+                <a:lumOff val="40000"/>
+              </a:schemeClr>
+            </a:solidFill>
+          </a:ln>
+        </p:spPr>
+        <p:style>
+          <a:lnRef idx="1">
+            <a:schemeClr val="accent1"/>
+          </a:lnRef>
+          <a:fillRef idx="0">
+            <a:schemeClr val="accent1"/>
+          </a:fillRef>
+          <a:effectRef idx="0">
+            <a:schemeClr val="accent1"/>
+          </a:effectRef>
+          <a:fontRef idx="minor">
+            <a:schemeClr val="tx1"/>
+          </a:fontRef>
+        </p:style>
+      </p:cxnSp>
+      <p:cxnSp>
+        <p:nvCxnSpPr>
+          <p:cNvPr id="31" name="Connecteur droit 30">
+            <a:extLst>
+              <a:ext uri="{FF2B5EF4-FFF2-40B4-BE49-F238E27FC236}">
+                <a16:creationId xmlns:a16="http://schemas.microsoft.com/office/drawing/2014/main" id="{CF10E680-E7C2-4766-B6DC-CBF6691102B8}"/>
+              </a:ext>
+            </a:extLst>
+          </p:cNvPr>
+          <p:cNvCxnSpPr>
+            <a:cxnSpLocks/>
+          </p:cNvCxnSpPr>
+          <p:nvPr/>
+        </p:nvCxnSpPr>
+        <p:spPr>
+          <a:xfrm flipV="1">
+            <a:off x="5087983" y="4006866"/>
+            <a:ext cx="6030043" cy="1958394"/>
+          </a:xfrm>
+          <a:prstGeom prst="line">
+            <a:avLst/>
+          </a:prstGeom>
+          <a:ln w="28575">
+            <a:solidFill>
+              <a:schemeClr val="accent2">
+                <a:lumMod val="60000"/>
+                <a:lumOff val="40000"/>
+              </a:schemeClr>
+            </a:solidFill>
+          </a:ln>
+        </p:spPr>
+        <p:style>
+          <a:lnRef idx="1">
+            <a:schemeClr val="accent1"/>
+          </a:lnRef>
+          <a:fillRef idx="0">
+            <a:schemeClr val="accent1"/>
+          </a:fillRef>
+          <a:effectRef idx="0">
+            <a:schemeClr val="accent1"/>
+          </a:effectRef>
+          <a:fontRef idx="minor">
+            <a:schemeClr val="tx1"/>
+          </a:fontRef>
+        </p:style>
+      </p:cxnSp>
+    </p:spTree>
+    <p:extLst>
+      <p:ext uri="{BB962C8B-B14F-4D97-AF65-F5344CB8AC3E}">
+        <p14:creationId xmlns:p14="http://schemas.microsoft.com/office/powerpoint/2010/main" val="2039065007"/>
+      </p:ext>
+    </p:extLst>
+  </p:cSld>
+  <p:clrMapOvr>
+    <a:masterClrMapping/>
+  </p:clrMapOvr>
+  <p:timing>
+    <p:tnLst>
+      <p:par>
+        <p:cTn id="1" dur="indefinite" restart="never" nodeType="tmRoot">
+          <p:childTnLst>
+            <p:seq concurrent="1" nextAc="seek">
+              <p:cTn id="2" dur="indefinite" nodeType="mainSeq">
+                <p:childTnLst>
+                  <p:par>
+                    <p:cTn id="3" fill="hold">
+                      <p:stCondLst>
+                        <p:cond delay="indefinite"/>
+                      </p:stCondLst>
+                      <p:childTnLst>
+                        <p:par>
+                          <p:cTn id="4" fill="hold">
+                            <p:stCondLst>
+                              <p:cond delay="0"/>
+                            </p:stCondLst>
+                            <p:childTnLst>
+                              <p:par>
+                                <p:cTn id="5" presetID="10" presetClass="entr" presetSubtype="0" fill="hold" grpId="0" nodeType="clickEffect">
+                                  <p:stCondLst>
+                                    <p:cond delay="0"/>
+                                  </p:stCondLst>
+                                  <p:childTnLst>
+                                    <p:set>
+                                      <p:cBhvr>
+                                        <p:cTn id="6" dur="1" fill="hold">
+                                          <p:stCondLst>
+                                            <p:cond delay="0"/>
+                                          </p:stCondLst>
+                                        </p:cTn>
+                                        <p:tgtEl>
+                                          <p:spTgt spid="18"/>
+                                        </p:tgtEl>
+                                        <p:attrNameLst>
+                                          <p:attrName>style.visibility</p:attrName>
+                                        </p:attrNameLst>
+                                      </p:cBhvr>
+                                      <p:to>
+                                        <p:strVal val="visible"/>
+                                      </p:to>
+                                    </p:set>
+                                    <p:animEffect transition="in" filter="fade">
+                                      <p:cBhvr>
+                                        <p:cTn id="7" dur="500"/>
+                                        <p:tgtEl>
+                                          <p:spTgt spid="18"/>
+                                        </p:tgtEl>
+                                      </p:cBhvr>
+                                    </p:animEffect>
+                                  </p:childTnLst>
+                                </p:cTn>
+                              </p:par>
+                              <p:par>
+                                <p:cTn id="8" presetID="10" presetClass="entr" presetSubtype="0" fill="hold" nodeType="withEffect">
+                                  <p:stCondLst>
+                                    <p:cond delay="0"/>
+                                  </p:stCondLst>
+                                  <p:childTnLst>
+                                    <p:set>
+                                      <p:cBhvr>
+                                        <p:cTn id="9" dur="1" fill="hold">
+                                          <p:stCondLst>
+                                            <p:cond delay="0"/>
+                                          </p:stCondLst>
+                                        </p:cTn>
+                                        <p:tgtEl>
+                                          <p:spTgt spid="21"/>
+                                        </p:tgtEl>
+                                        <p:attrNameLst>
+                                          <p:attrName>style.visibility</p:attrName>
+                                        </p:attrNameLst>
+                                      </p:cBhvr>
+                                      <p:to>
+                                        <p:strVal val="visible"/>
+                                      </p:to>
+                                    </p:set>
+                                    <p:animEffect transition="in" filter="fade">
+                                      <p:cBhvr>
+                                        <p:cTn id="10" dur="500"/>
+                                        <p:tgtEl>
+                                          <p:spTgt spid="21"/>
+                                        </p:tgtEl>
+                                      </p:cBhvr>
+                                    </p:animEffect>
+                                  </p:childTnLst>
+                                </p:cTn>
+                              </p:par>
+                              <p:par>
+                                <p:cTn id="11" presetID="10" presetClass="entr" presetSubtype="0" fill="hold" nodeType="withEffect">
+                                  <p:stCondLst>
+                                    <p:cond delay="0"/>
+                                  </p:stCondLst>
+                                  <p:childTnLst>
+                                    <p:set>
+                                      <p:cBhvr>
+                                        <p:cTn id="12" dur="1" fill="hold">
+                                          <p:stCondLst>
+                                            <p:cond delay="0"/>
+                                          </p:stCondLst>
+                                        </p:cTn>
+                                        <p:tgtEl>
+                                          <p:spTgt spid="23"/>
+                                        </p:tgtEl>
+                                        <p:attrNameLst>
+                                          <p:attrName>style.visibility</p:attrName>
+                                        </p:attrNameLst>
+                                      </p:cBhvr>
+                                      <p:to>
+                                        <p:strVal val="visible"/>
+                                      </p:to>
+                                    </p:set>
+                                    <p:animEffect transition="in" filter="fade">
+                                      <p:cBhvr>
+                                        <p:cTn id="13" dur="500"/>
+                                        <p:tgtEl>
+                                          <p:spTgt spid="23"/>
+                                        </p:tgtEl>
+                                      </p:cBhvr>
+                                    </p:animEffect>
+                                  </p:childTnLst>
+                                </p:cTn>
+                              </p:par>
+                              <p:par>
+                                <p:cTn id="14" presetID="10" presetClass="entr" presetSubtype="0" fill="hold" grpId="0" nodeType="withEffect">
+                                  <p:stCondLst>
+                                    <p:cond delay="0"/>
+                                  </p:stCondLst>
+                                  <p:childTnLst>
+                                    <p:set>
+                                      <p:cBhvr>
+                                        <p:cTn id="15" dur="1" fill="hold">
+                                          <p:stCondLst>
+                                            <p:cond delay="0"/>
+                                          </p:stCondLst>
+                                        </p:cTn>
+                                        <p:tgtEl>
+                                          <p:spTgt spid="19"/>
+                                        </p:tgtEl>
+                                        <p:attrNameLst>
+                                          <p:attrName>style.visibility</p:attrName>
+                                        </p:attrNameLst>
+                                      </p:cBhvr>
+                                      <p:to>
+                                        <p:strVal val="visible"/>
+                                      </p:to>
+                                    </p:set>
+                                    <p:animEffect transition="in" filter="fade">
+                                      <p:cBhvr>
+                                        <p:cTn id="16" dur="500"/>
+                                        <p:tgtEl>
+                                          <p:spTgt spid="19"/>
+                                        </p:tgtEl>
+                                      </p:cBhvr>
+                                    </p:animEffect>
+                                  </p:childTnLst>
+                                </p:cTn>
+                              </p:par>
+                              <p:par>
+                                <p:cTn id="17" presetID="10" presetClass="entr" presetSubtype="0" fill="hold" nodeType="withEffect">
+                                  <p:stCondLst>
+                                    <p:cond delay="0"/>
+                                  </p:stCondLst>
+                                  <p:childTnLst>
+                                    <p:set>
+                                      <p:cBhvr>
+                                        <p:cTn id="18" dur="1" fill="hold">
+                                          <p:stCondLst>
+                                            <p:cond delay="0"/>
+                                          </p:stCondLst>
+                                        </p:cTn>
+                                        <p:tgtEl>
+                                          <p:spTgt spid="15"/>
+                                        </p:tgtEl>
+                                        <p:attrNameLst>
+                                          <p:attrName>style.visibility</p:attrName>
+                                        </p:attrNameLst>
+                                      </p:cBhvr>
+                                      <p:to>
+                                        <p:strVal val="visible"/>
+                                      </p:to>
+                                    </p:set>
+                                    <p:animEffect transition="in" filter="fade">
+                                      <p:cBhvr>
+                                        <p:cTn id="19" dur="500"/>
+                                        <p:tgtEl>
+                                          <p:spTgt spid="15"/>
+                                        </p:tgtEl>
+                                      </p:cBhvr>
+                                    </p:animEffect>
+                                  </p:childTnLst>
+                                </p:cTn>
+                              </p:par>
+                            </p:childTnLst>
+                          </p:cTn>
+                        </p:par>
+                      </p:childTnLst>
+                    </p:cTn>
+                  </p:par>
+                  <p:par>
+                    <p:cTn id="20" fill="hold">
+                      <p:stCondLst>
+                        <p:cond delay="indefinite"/>
+                      </p:stCondLst>
+                      <p:childTnLst>
+                        <p:par>
+                          <p:cTn id="21" fill="hold">
+                            <p:stCondLst>
+                              <p:cond delay="0"/>
+                            </p:stCondLst>
+                            <p:childTnLst>
+                              <p:par>
+                                <p:cTn id="22" presetID="10" presetClass="entr" presetSubtype="0" fill="hold" grpId="0" nodeType="clickEffect">
+                                  <p:stCondLst>
+                                    <p:cond delay="0"/>
+                                  </p:stCondLst>
+                                  <p:childTnLst>
+                                    <p:set>
+                                      <p:cBhvr>
+                                        <p:cTn id="23" dur="1" fill="hold">
+                                          <p:stCondLst>
+                                            <p:cond delay="0"/>
+                                          </p:stCondLst>
+                                        </p:cTn>
+                                        <p:tgtEl>
+                                          <p:spTgt spid="25"/>
+                                        </p:tgtEl>
+                                        <p:attrNameLst>
+                                          <p:attrName>style.visibility</p:attrName>
+                                        </p:attrNameLst>
+                                      </p:cBhvr>
+                                      <p:to>
+                                        <p:strVal val="visible"/>
+                                      </p:to>
+                                    </p:set>
+                                    <p:animEffect transition="in" filter="fade">
+                                      <p:cBhvr>
+                                        <p:cTn id="24" dur="500"/>
+                                        <p:tgtEl>
+                                          <p:spTgt spid="25"/>
+                                        </p:tgtEl>
+                                      </p:cBhvr>
+                                    </p:animEffect>
+                                  </p:childTnLst>
+                                </p:cTn>
+                              </p:par>
+                              <p:par>
+                                <p:cTn id="25" presetID="10" presetClass="entr" presetSubtype="0" fill="hold" nodeType="withEffect">
+                                  <p:stCondLst>
+                                    <p:cond delay="0"/>
+                                  </p:stCondLst>
+                                  <p:childTnLst>
+                                    <p:set>
+                                      <p:cBhvr>
+                                        <p:cTn id="26" dur="1" fill="hold">
+                                          <p:stCondLst>
+                                            <p:cond delay="0"/>
+                                          </p:stCondLst>
+                                        </p:cTn>
+                                        <p:tgtEl>
+                                          <p:spTgt spid="29"/>
+                                        </p:tgtEl>
+                                        <p:attrNameLst>
+                                          <p:attrName>style.visibility</p:attrName>
+                                        </p:attrNameLst>
+                                      </p:cBhvr>
+                                      <p:to>
+                                        <p:strVal val="visible"/>
+                                      </p:to>
+                                    </p:set>
+                                    <p:animEffect transition="in" filter="fade">
+                                      <p:cBhvr>
+                                        <p:cTn id="27" dur="500"/>
+                                        <p:tgtEl>
+                                          <p:spTgt spid="29"/>
+                                        </p:tgtEl>
+                                      </p:cBhvr>
+                                    </p:animEffect>
+                                  </p:childTnLst>
+                                </p:cTn>
+                              </p:par>
+                              <p:par>
+                                <p:cTn id="28" presetID="10" presetClass="entr" presetSubtype="0" fill="hold" nodeType="withEffect">
+                                  <p:stCondLst>
+                                    <p:cond delay="0"/>
+                                  </p:stCondLst>
+                                  <p:childTnLst>
+                                    <p:set>
+                                      <p:cBhvr>
+                                        <p:cTn id="29" dur="1" fill="hold">
+                                          <p:stCondLst>
+                                            <p:cond delay="0"/>
+                                          </p:stCondLst>
+                                        </p:cTn>
+                                        <p:tgtEl>
+                                          <p:spTgt spid="31"/>
+                                        </p:tgtEl>
+                                        <p:attrNameLst>
+                                          <p:attrName>style.visibility</p:attrName>
+                                        </p:attrNameLst>
+                                      </p:cBhvr>
+                                      <p:to>
+                                        <p:strVal val="visible"/>
+                                      </p:to>
+                                    </p:set>
+                                    <p:animEffect transition="in" filter="fade">
+                                      <p:cBhvr>
+                                        <p:cTn id="30" dur="500"/>
+                                        <p:tgtEl>
+                                          <p:spTgt spid="31"/>
+                                        </p:tgtEl>
+                                      </p:cBhvr>
+                                    </p:animEffect>
+                                  </p:childTnLst>
+                                </p:cTn>
+                              </p:par>
+                              <p:par>
+                                <p:cTn id="31" presetID="10" presetClass="entr" presetSubtype="0" fill="hold" grpId="0" nodeType="withEffect">
+                                  <p:stCondLst>
+                                    <p:cond delay="0"/>
+                                  </p:stCondLst>
+                                  <p:childTnLst>
+                                    <p:set>
+                                      <p:cBhvr>
+                                        <p:cTn id="32" dur="1" fill="hold">
+                                          <p:stCondLst>
+                                            <p:cond delay="0"/>
+                                          </p:stCondLst>
+                                        </p:cTn>
+                                        <p:tgtEl>
+                                          <p:spTgt spid="27"/>
+                                        </p:tgtEl>
+                                        <p:attrNameLst>
+                                          <p:attrName>style.visibility</p:attrName>
+                                        </p:attrNameLst>
+                                      </p:cBhvr>
+                                      <p:to>
+                                        <p:strVal val="visible"/>
+                                      </p:to>
+                                    </p:set>
+                                    <p:animEffect transition="in" filter="fade">
+                                      <p:cBhvr>
+                                        <p:cTn id="33" dur="500"/>
+                                        <p:tgtEl>
+                                          <p:spTgt spid="27"/>
+                                        </p:tgtEl>
+                                      </p:cBhvr>
+                                    </p:animEffect>
+                                  </p:childTnLst>
+                                </p:cTn>
+                              </p:par>
+                              <p:par>
+                                <p:cTn id="34" presetID="10" presetClass="entr" presetSubtype="0" fill="hold" nodeType="withEffect">
+                                  <p:stCondLst>
+                                    <p:cond delay="0"/>
+                                  </p:stCondLst>
+                                  <p:childTnLst>
+                                    <p:set>
+                                      <p:cBhvr>
+                                        <p:cTn id="35" dur="1" fill="hold">
+                                          <p:stCondLst>
+                                            <p:cond delay="0"/>
+                                          </p:stCondLst>
+                                        </p:cTn>
+                                        <p:tgtEl>
+                                          <p:spTgt spid="26"/>
+                                        </p:tgtEl>
+                                        <p:attrNameLst>
+                                          <p:attrName>style.visibility</p:attrName>
+                                        </p:attrNameLst>
+                                      </p:cBhvr>
+                                      <p:to>
+                                        <p:strVal val="visible"/>
+                                      </p:to>
+                                    </p:set>
+                                    <p:animEffect transition="in" filter="fade">
+                                      <p:cBhvr>
+                                        <p:cTn id="36" dur="500"/>
+                                        <p:tgtEl>
+                                          <p:spTgt spid="26"/>
+                                        </p:tgtEl>
+                                      </p:cBhvr>
+                                    </p:animEffect>
+                                  </p:childTnLst>
+                                </p:cTn>
+                              </p:par>
+                            </p:childTnLst>
+                          </p:cTn>
+                        </p:par>
+                      </p:childTnLst>
+                    </p:cTn>
+                  </p:par>
+                </p:childTnLst>
+              </p:cTn>
+              <p:prevCondLst>
+                <p:cond evt="onPrev" delay="0">
+                  <p:tgtEl>
+                    <p:sldTgt/>
+                  </p:tgtEl>
+                </p:cond>
+              </p:prevCondLst>
+              <p:nextCondLst>
+                <p:cond evt="onNext" delay="0">
+                  <p:tgtEl>
+                    <p:sldTgt/>
+                  </p:tgtEl>
+                </p:cond>
+              </p:nextCondLst>
+            </p:seq>
+          </p:childTnLst>
+        </p:cTn>
+      </p:par>
+    </p:tnLst>
+    <p:bldLst>
+      <p:bldP spid="18" grpId="0" animBg="1"/>
+      <p:bldP spid="19" grpId="0" animBg="1"/>
+      <p:bldP spid="25" grpId="0" animBg="1"/>
+      <p:bldP spid="27" grpId="0" animBg="1"/>
     </p:bldLst>
   </p:timing>
 </p:sld>
